--- a/pics/2021-04-29-Euler_method/pics.pptx
+++ b/pics/2021-04-29-Euler_method/pics.pptx
@@ -6,6 +6,9 @@
   </p:sldMasterIdLst>
   <p:sldIdLst>
     <p:sldId id="256" r:id="rId2"/>
+    <p:sldId id="257" r:id="rId3"/>
+    <p:sldId id="258" r:id="rId4"/>
+    <p:sldId id="259" r:id="rId5"/>
   </p:sldIdLst>
   <p:sldSz cx="9144000" cy="6858000" type="screen4x3"/>
   <p:notesSz cx="6858000" cy="9144000"/>
@@ -3112,6 +3115,288 @@
 </p:sld>
 </file>
 
+<file path=ppt/slides/slide2.xml><?xml version="1.0" encoding="utf-8"?>
+<p:sld xmlns:a="http://schemas.openxmlformats.org/drawingml/2006/main" xmlns:r="http://schemas.openxmlformats.org/officeDocument/2006/relationships" xmlns:p="http://schemas.openxmlformats.org/presentationml/2006/main">
+  <p:cSld>
+    <p:spTree>
+      <p:nvGrpSpPr>
+        <p:cNvPr id="1" name=""/>
+        <p:cNvGrpSpPr/>
+        <p:nvPr/>
+      </p:nvGrpSpPr>
+      <p:grpSpPr>
+        <a:xfrm>
+          <a:off x="0" y="0"/>
+          <a:ext cx="0" cy="0"/>
+          <a:chOff x="0" y="0"/>
+          <a:chExt cx="0" cy="0"/>
+        </a:xfrm>
+      </p:grpSpPr>
+      <p:pic>
+        <p:nvPicPr>
+          <p:cNvPr id="1028" name="Picture 4"/>
+          <p:cNvPicPr>
+            <a:picLocks noChangeAspect="1" noChangeArrowheads="1"/>
+          </p:cNvPicPr>
+          <p:nvPr/>
+        </p:nvPicPr>
+        <p:blipFill>
+          <a:blip r:embed="rId2">
+            <a:extLst>
+              <a:ext uri="{28A0092B-C50C-407E-A947-70E740481C1C}">
+                <a14:useLocalDpi xmlns:a14="http://schemas.microsoft.com/office/drawing/2010/main" val="0"/>
+              </a:ext>
+            </a:extLst>
+          </a:blip>
+          <a:srcRect/>
+          <a:stretch>
+            <a:fillRect/>
+          </a:stretch>
+        </p:blipFill>
+        <p:spPr bwMode="auto">
+          <a:xfrm>
+            <a:off x="1219200" y="3209925"/>
+            <a:ext cx="6705600" cy="438150"/>
+          </a:xfrm>
+          <a:prstGeom prst="rect">
+            <a:avLst/>
+          </a:prstGeom>
+          <a:noFill/>
+          <a:ln>
+            <a:noFill/>
+          </a:ln>
+          <a:effectLst/>
+          <a:extLst>
+            <a:ext uri="{909E8E84-426E-40DD-AFC4-6F175D3DCCD1}">
+              <a14:hiddenFill xmlns:a14="http://schemas.microsoft.com/office/drawing/2010/main">
+                <a:solidFill>
+                  <a:schemeClr val="accent1"/>
+                </a:solidFill>
+              </a14:hiddenFill>
+            </a:ext>
+            <a:ext uri="{91240B29-F687-4F45-9708-019B960494DF}">
+              <a14:hiddenLine xmlns:a14="http://schemas.microsoft.com/office/drawing/2010/main" w="9525">
+                <a:solidFill>
+                  <a:schemeClr val="tx1"/>
+                </a:solidFill>
+                <a:miter lim="800000"/>
+                <a:headEnd/>
+                <a:tailEnd/>
+              </a14:hiddenLine>
+            </a:ext>
+            <a:ext uri="{AF507438-7753-43E0-B8FC-AC1667EBCBE1}">
+              <a14:hiddenEffects xmlns:a14="http://schemas.microsoft.com/office/drawing/2010/main">
+                <a:effectLst>
+                  <a:outerShdw dist="35921" dir="2700000" algn="ctr" rotWithShape="0">
+                    <a:schemeClr val="bg2"/>
+                  </a:outerShdw>
+                </a:effectLst>
+              </a14:hiddenEffects>
+            </a:ext>
+          </a:extLst>
+        </p:spPr>
+      </p:pic>
+    </p:spTree>
+    <p:extLst>
+      <p:ext uri="{BB962C8B-B14F-4D97-AF65-F5344CB8AC3E}">
+        <p14:creationId xmlns:p14="http://schemas.microsoft.com/office/powerpoint/2010/main" val="1280103690"/>
+      </p:ext>
+    </p:extLst>
+  </p:cSld>
+  <p:clrMapOvr>
+    <a:masterClrMapping/>
+  </p:clrMapOvr>
+</p:sld>
+</file>
+
+<file path=ppt/slides/slide3.xml><?xml version="1.0" encoding="utf-8"?>
+<p:sld xmlns:a="http://schemas.openxmlformats.org/drawingml/2006/main" xmlns:r="http://schemas.openxmlformats.org/officeDocument/2006/relationships" xmlns:p="http://schemas.openxmlformats.org/presentationml/2006/main">
+  <p:cSld>
+    <p:spTree>
+      <p:nvGrpSpPr>
+        <p:cNvPr id="1" name=""/>
+        <p:cNvGrpSpPr/>
+        <p:nvPr/>
+      </p:nvGrpSpPr>
+      <p:grpSpPr>
+        <a:xfrm>
+          <a:off x="0" y="0"/>
+          <a:ext cx="0" cy="0"/>
+          <a:chOff x="0" y="0"/>
+          <a:chExt cx="0" cy="0"/>
+        </a:xfrm>
+      </p:grpSpPr>
+      <p:pic>
+        <p:nvPicPr>
+          <p:cNvPr id="2051" name="Picture 3"/>
+          <p:cNvPicPr>
+            <a:picLocks noChangeAspect="1" noChangeArrowheads="1"/>
+          </p:cNvPicPr>
+          <p:nvPr/>
+        </p:nvPicPr>
+        <p:blipFill>
+          <a:blip r:embed="rId2">
+            <a:extLst>
+              <a:ext uri="{28A0092B-C50C-407E-A947-70E740481C1C}">
+                <a14:useLocalDpi xmlns:a14="http://schemas.microsoft.com/office/drawing/2010/main" val="0"/>
+              </a:ext>
+            </a:extLst>
+          </a:blip>
+          <a:srcRect/>
+          <a:stretch>
+            <a:fillRect/>
+          </a:stretch>
+        </p:blipFill>
+        <p:spPr bwMode="auto">
+          <a:xfrm>
+            <a:off x="179512" y="3088817"/>
+            <a:ext cx="8784976" cy="680368"/>
+          </a:xfrm>
+          <a:prstGeom prst="rect">
+            <a:avLst/>
+          </a:prstGeom>
+          <a:noFill/>
+          <a:ln>
+            <a:noFill/>
+          </a:ln>
+          <a:effectLst/>
+          <a:extLst>
+            <a:ext uri="{909E8E84-426E-40DD-AFC4-6F175D3DCCD1}">
+              <a14:hiddenFill xmlns:a14="http://schemas.microsoft.com/office/drawing/2010/main">
+                <a:solidFill>
+                  <a:schemeClr val="accent1"/>
+                </a:solidFill>
+              </a14:hiddenFill>
+            </a:ext>
+            <a:ext uri="{91240B29-F687-4F45-9708-019B960494DF}">
+              <a14:hiddenLine xmlns:a14="http://schemas.microsoft.com/office/drawing/2010/main" w="9525">
+                <a:solidFill>
+                  <a:schemeClr val="tx1"/>
+                </a:solidFill>
+                <a:miter lim="800000"/>
+                <a:headEnd/>
+                <a:tailEnd/>
+              </a14:hiddenLine>
+            </a:ext>
+            <a:ext uri="{AF507438-7753-43E0-B8FC-AC1667EBCBE1}">
+              <a14:hiddenEffects xmlns:a14="http://schemas.microsoft.com/office/drawing/2010/main">
+                <a:effectLst>
+                  <a:outerShdw dist="35921" dir="2700000" algn="ctr" rotWithShape="0">
+                    <a:schemeClr val="bg2"/>
+                  </a:outerShdw>
+                </a:effectLst>
+              </a14:hiddenEffects>
+            </a:ext>
+          </a:extLst>
+        </p:spPr>
+      </p:pic>
+    </p:spTree>
+    <p:extLst>
+      <p:ext uri="{BB962C8B-B14F-4D97-AF65-F5344CB8AC3E}">
+        <p14:creationId xmlns:p14="http://schemas.microsoft.com/office/powerpoint/2010/main" val="3386147997"/>
+      </p:ext>
+    </p:extLst>
+  </p:cSld>
+  <p:clrMapOvr>
+    <a:masterClrMapping/>
+  </p:clrMapOvr>
+</p:sld>
+</file>
+
+<file path=ppt/slides/slide4.xml><?xml version="1.0" encoding="utf-8"?>
+<p:sld xmlns:a="http://schemas.openxmlformats.org/drawingml/2006/main" xmlns:r="http://schemas.openxmlformats.org/officeDocument/2006/relationships" xmlns:p="http://schemas.openxmlformats.org/presentationml/2006/main">
+  <p:cSld>
+    <p:spTree>
+      <p:nvGrpSpPr>
+        <p:cNvPr id="1" name=""/>
+        <p:cNvGrpSpPr/>
+        <p:nvPr/>
+      </p:nvGrpSpPr>
+      <p:grpSpPr>
+        <a:xfrm>
+          <a:off x="0" y="0"/>
+          <a:ext cx="0" cy="0"/>
+          <a:chOff x="0" y="0"/>
+          <a:chExt cx="0" cy="0"/>
+        </a:xfrm>
+      </p:grpSpPr>
+      <p:pic>
+        <p:nvPicPr>
+          <p:cNvPr id="1026" name="Picture 2"/>
+          <p:cNvPicPr>
+            <a:picLocks noChangeAspect="1" noChangeArrowheads="1"/>
+          </p:cNvPicPr>
+          <p:nvPr/>
+        </p:nvPicPr>
+        <p:blipFill>
+          <a:blip r:embed="rId2">
+            <a:extLst>
+              <a:ext uri="{28A0092B-C50C-407E-A947-70E740481C1C}">
+                <a14:useLocalDpi xmlns:a14="http://schemas.microsoft.com/office/drawing/2010/main" val="0"/>
+              </a:ext>
+            </a:extLst>
+          </a:blip>
+          <a:srcRect/>
+          <a:stretch>
+            <a:fillRect/>
+          </a:stretch>
+        </p:blipFill>
+        <p:spPr bwMode="auto">
+          <a:xfrm>
+            <a:off x="1909763" y="1433513"/>
+            <a:ext cx="5324475" cy="3990975"/>
+          </a:xfrm>
+          <a:prstGeom prst="rect">
+            <a:avLst/>
+          </a:prstGeom>
+          <a:noFill/>
+          <a:ln>
+            <a:noFill/>
+          </a:ln>
+          <a:effectLst/>
+          <a:extLst>
+            <a:ext uri="{909E8E84-426E-40DD-AFC4-6F175D3DCCD1}">
+              <a14:hiddenFill xmlns:a14="http://schemas.microsoft.com/office/drawing/2010/main">
+                <a:solidFill>
+                  <a:schemeClr val="accent1"/>
+                </a:solidFill>
+              </a14:hiddenFill>
+            </a:ext>
+            <a:ext uri="{91240B29-F687-4F45-9708-019B960494DF}">
+              <a14:hiddenLine xmlns:a14="http://schemas.microsoft.com/office/drawing/2010/main" w="9525">
+                <a:solidFill>
+                  <a:schemeClr val="tx1"/>
+                </a:solidFill>
+                <a:miter lim="800000"/>
+                <a:headEnd/>
+                <a:tailEnd/>
+              </a14:hiddenLine>
+            </a:ext>
+            <a:ext uri="{AF507438-7753-43E0-B8FC-AC1667EBCBE1}">
+              <a14:hiddenEffects xmlns:a14="http://schemas.microsoft.com/office/drawing/2010/main">
+                <a:effectLst>
+                  <a:outerShdw dist="35921" dir="2700000" algn="ctr" rotWithShape="0">
+                    <a:schemeClr val="bg2"/>
+                  </a:outerShdw>
+                </a:effectLst>
+              </a14:hiddenEffects>
+            </a:ext>
+          </a:extLst>
+        </p:spPr>
+      </p:pic>
+    </p:spTree>
+    <p:extLst>
+      <p:ext uri="{BB962C8B-B14F-4D97-AF65-F5344CB8AC3E}">
+        <p14:creationId xmlns:p14="http://schemas.microsoft.com/office/powerpoint/2010/main" val="2521365451"/>
+      </p:ext>
+    </p:extLst>
+  </p:cSld>
+  <p:clrMapOvr>
+    <a:masterClrMapping/>
+  </p:clrMapOvr>
+</p:sld>
+</file>
+
 <file path=ppt/theme/theme1.xml><?xml version="1.0" encoding="utf-8"?>
 <a:theme xmlns:a="http://schemas.openxmlformats.org/drawingml/2006/main" name="Office 테마">
   <a:themeElements>

--- a/pics/2021-04-29-Euler_method/pics.pptx
+++ b/pics/2021-04-29-Euler_method/pics.pptx
@@ -9,6 +9,8 @@
     <p:sldId id="257" r:id="rId3"/>
     <p:sldId id="258" r:id="rId4"/>
     <p:sldId id="259" r:id="rId5"/>
+    <p:sldId id="260" r:id="rId6"/>
+    <p:sldId id="261" r:id="rId7"/>
   </p:sldIdLst>
   <p:sldSz cx="9144000" cy="6858000" type="screen4x3"/>
   <p:notesSz cx="6858000" cy="9144000"/>
@@ -3397,6 +3399,376 @@
 </p:sld>
 </file>
 
+<file path=ppt/slides/slide5.xml><?xml version="1.0" encoding="utf-8"?>
+<p:sld xmlns:a="http://schemas.openxmlformats.org/drawingml/2006/main" xmlns:r="http://schemas.openxmlformats.org/officeDocument/2006/relationships" xmlns:p="http://schemas.openxmlformats.org/presentationml/2006/main">
+  <p:cSld>
+    <p:spTree>
+      <p:nvGrpSpPr>
+        <p:cNvPr id="1" name=""/>
+        <p:cNvGrpSpPr/>
+        <p:nvPr/>
+      </p:nvGrpSpPr>
+      <p:grpSpPr>
+        <a:xfrm>
+          <a:off x="0" y="0"/>
+          <a:ext cx="0" cy="0"/>
+          <a:chOff x="0" y="0"/>
+          <a:chExt cx="0" cy="0"/>
+        </a:xfrm>
+      </p:grpSpPr>
+      <p:pic>
+        <p:nvPicPr>
+          <p:cNvPr id="1026" name="Picture 2"/>
+          <p:cNvPicPr>
+            <a:picLocks noChangeAspect="1" noChangeArrowheads="1"/>
+          </p:cNvPicPr>
+          <p:nvPr/>
+        </p:nvPicPr>
+        <p:blipFill>
+          <a:blip r:embed="rId2">
+            <a:extLst>
+              <a:ext uri="{28A0092B-C50C-407E-A947-70E740481C1C}">
+                <a14:useLocalDpi xmlns:a14="http://schemas.microsoft.com/office/drawing/2010/main" val="0"/>
+              </a:ext>
+            </a:extLst>
+          </a:blip>
+          <a:srcRect/>
+          <a:stretch>
+            <a:fillRect/>
+          </a:stretch>
+        </p:blipFill>
+        <p:spPr bwMode="auto">
+          <a:xfrm>
+            <a:off x="1909763" y="1433513"/>
+            <a:ext cx="5324475" cy="3990975"/>
+          </a:xfrm>
+          <a:prstGeom prst="rect">
+            <a:avLst/>
+          </a:prstGeom>
+          <a:noFill/>
+          <a:ln>
+            <a:noFill/>
+          </a:ln>
+          <a:effectLst/>
+          <a:extLst>
+            <a:ext uri="{909E8E84-426E-40DD-AFC4-6F175D3DCCD1}">
+              <a14:hiddenFill xmlns:a14="http://schemas.microsoft.com/office/drawing/2010/main">
+                <a:solidFill>
+                  <a:schemeClr val="accent1"/>
+                </a:solidFill>
+              </a14:hiddenFill>
+            </a:ext>
+            <a:ext uri="{91240B29-F687-4F45-9708-019B960494DF}">
+              <a14:hiddenLine xmlns:a14="http://schemas.microsoft.com/office/drawing/2010/main" w="9525">
+                <a:solidFill>
+                  <a:schemeClr val="tx1"/>
+                </a:solidFill>
+                <a:miter lim="800000"/>
+                <a:headEnd/>
+                <a:tailEnd/>
+              </a14:hiddenLine>
+            </a:ext>
+            <a:ext uri="{AF507438-7753-43E0-B8FC-AC1667EBCBE1}">
+              <a14:hiddenEffects xmlns:a14="http://schemas.microsoft.com/office/drawing/2010/main">
+                <a:effectLst>
+                  <a:outerShdw dist="35921" dir="2700000" algn="ctr" rotWithShape="0">
+                    <a:schemeClr val="bg2"/>
+                  </a:outerShdw>
+                </a:effectLst>
+              </a14:hiddenEffects>
+            </a:ext>
+          </a:extLst>
+        </p:spPr>
+      </p:pic>
+    </p:spTree>
+    <p:extLst>
+      <p:ext uri="{BB962C8B-B14F-4D97-AF65-F5344CB8AC3E}">
+        <p14:creationId xmlns:p14="http://schemas.microsoft.com/office/powerpoint/2010/main" val="1177091747"/>
+      </p:ext>
+    </p:extLst>
+  </p:cSld>
+  <p:clrMapOvr>
+    <a:masterClrMapping/>
+  </p:clrMapOvr>
+</p:sld>
+</file>
+
+<file path=ppt/slides/slide6.xml><?xml version="1.0" encoding="utf-8"?>
+<p:sld xmlns:a="http://schemas.openxmlformats.org/drawingml/2006/main" xmlns:r="http://schemas.openxmlformats.org/officeDocument/2006/relationships" xmlns:p="http://schemas.openxmlformats.org/presentationml/2006/main">
+  <p:cSld>
+    <p:spTree>
+      <p:nvGrpSpPr>
+        <p:cNvPr id="1" name=""/>
+        <p:cNvGrpSpPr/>
+        <p:nvPr/>
+      </p:nvGrpSpPr>
+      <p:grpSpPr>
+        <a:xfrm>
+          <a:off x="0" y="0"/>
+          <a:ext cx="0" cy="0"/>
+          <a:chOff x="0" y="0"/>
+          <a:chExt cx="0" cy="0"/>
+        </a:xfrm>
+      </p:grpSpPr>
+      <p:pic>
+        <p:nvPicPr>
+          <p:cNvPr id="1026" name="Picture 2"/>
+          <p:cNvPicPr>
+            <a:picLocks noChangeAspect="1" noChangeArrowheads="1"/>
+          </p:cNvPicPr>
+          <p:nvPr/>
+        </p:nvPicPr>
+        <p:blipFill>
+          <a:blip r:embed="rId2">
+            <a:extLst>
+              <a:ext uri="{28A0092B-C50C-407E-A947-70E740481C1C}">
+                <a14:useLocalDpi xmlns:a14="http://schemas.microsoft.com/office/drawing/2010/main" val="0"/>
+              </a:ext>
+            </a:extLst>
+          </a:blip>
+          <a:srcRect/>
+          <a:stretch>
+            <a:fillRect/>
+          </a:stretch>
+        </p:blipFill>
+        <p:spPr bwMode="auto">
+          <a:xfrm>
+            <a:off x="290513" y="-42863"/>
+            <a:ext cx="8562975" cy="6943726"/>
+          </a:xfrm>
+          <a:prstGeom prst="rect">
+            <a:avLst/>
+          </a:prstGeom>
+          <a:noFill/>
+          <a:ln>
+            <a:noFill/>
+          </a:ln>
+          <a:effectLst/>
+          <a:extLst>
+            <a:ext uri="{909E8E84-426E-40DD-AFC4-6F175D3DCCD1}">
+              <a14:hiddenFill xmlns:a14="http://schemas.microsoft.com/office/drawing/2010/main">
+                <a:solidFill>
+                  <a:schemeClr val="accent1"/>
+                </a:solidFill>
+              </a14:hiddenFill>
+            </a:ext>
+            <a:ext uri="{91240B29-F687-4F45-9708-019B960494DF}">
+              <a14:hiddenLine xmlns:a14="http://schemas.microsoft.com/office/drawing/2010/main" w="9525">
+                <a:solidFill>
+                  <a:schemeClr val="tx1"/>
+                </a:solidFill>
+                <a:miter lim="800000"/>
+                <a:headEnd/>
+                <a:tailEnd/>
+              </a14:hiddenLine>
+            </a:ext>
+            <a:ext uri="{AF507438-7753-43E0-B8FC-AC1667EBCBE1}">
+              <a14:hiddenEffects xmlns:a14="http://schemas.microsoft.com/office/drawing/2010/main">
+                <a:effectLst>
+                  <a:outerShdw dist="35921" dir="2700000" algn="ctr" rotWithShape="0">
+                    <a:schemeClr val="bg2"/>
+                  </a:outerShdw>
+                </a:effectLst>
+              </a14:hiddenEffects>
+            </a:ext>
+          </a:extLst>
+        </p:spPr>
+      </p:pic>
+      <p:cxnSp>
+        <p:nvCxnSpPr>
+          <p:cNvPr id="6" name="직선 연결선 5"/>
+          <p:cNvCxnSpPr>
+            <a:stCxn id="1027" idx="7"/>
+            <a:endCxn id="4" idx="0"/>
+          </p:cNvCxnSpPr>
+          <p:nvPr/>
+        </p:nvCxnSpPr>
+        <p:spPr>
+          <a:xfrm>
+            <a:off x="6176956" y="1309589"/>
+            <a:ext cx="1383376" cy="1112027"/>
+          </a:xfrm>
+          <a:prstGeom prst="line">
+            <a:avLst/>
+          </a:prstGeom>
+          <a:ln>
+            <a:solidFill>
+              <a:schemeClr val="tx1"/>
+            </a:solidFill>
+            <a:prstDash val="dash"/>
+          </a:ln>
+        </p:spPr>
+        <p:style>
+          <a:lnRef idx="1">
+            <a:schemeClr val="accent1"/>
+          </a:lnRef>
+          <a:fillRef idx="0">
+            <a:schemeClr val="accent1"/>
+          </a:fillRef>
+          <a:effectRef idx="0">
+            <a:schemeClr val="accent1"/>
+          </a:effectRef>
+          <a:fontRef idx="minor">
+            <a:schemeClr val="tx1"/>
+          </a:fontRef>
+        </p:style>
+      </p:cxnSp>
+      <p:cxnSp>
+        <p:nvCxnSpPr>
+          <p:cNvPr id="10" name="직선 연결선 9"/>
+          <p:cNvCxnSpPr>
+            <a:stCxn id="1027" idx="5"/>
+            <a:endCxn id="4" idx="4"/>
+          </p:cNvCxnSpPr>
+          <p:nvPr/>
+        </p:nvCxnSpPr>
+        <p:spPr>
+          <a:xfrm flipV="1">
+            <a:off x="6176956" y="3069688"/>
+            <a:ext cx="1383376" cy="175471"/>
+          </a:xfrm>
+          <a:prstGeom prst="line">
+            <a:avLst/>
+          </a:prstGeom>
+          <a:ln>
+            <a:solidFill>
+              <a:schemeClr val="tx1"/>
+            </a:solidFill>
+            <a:prstDash val="dash"/>
+          </a:ln>
+        </p:spPr>
+        <p:style>
+          <a:lnRef idx="1">
+            <a:schemeClr val="accent1"/>
+          </a:lnRef>
+          <a:fillRef idx="0">
+            <a:schemeClr val="accent1"/>
+          </a:fillRef>
+          <a:effectRef idx="0">
+            <a:schemeClr val="accent1"/>
+          </a:effectRef>
+          <a:fontRef idx="minor">
+            <a:schemeClr val="tx1"/>
+          </a:fontRef>
+        </p:style>
+      </p:cxnSp>
+      <p:pic>
+        <p:nvPicPr>
+          <p:cNvPr id="1027" name="Picture 3"/>
+          <p:cNvPicPr>
+            <a:picLocks noChangeAspect="1" noChangeArrowheads="1"/>
+          </p:cNvPicPr>
+          <p:nvPr/>
+        </p:nvPicPr>
+        <p:blipFill rotWithShape="1">
+          <a:blip r:embed="rId3">
+            <a:extLst>
+              <a:ext uri="{28A0092B-C50C-407E-A947-70E740481C1C}">
+                <a14:useLocalDpi xmlns:a14="http://schemas.microsoft.com/office/drawing/2010/main" val="0"/>
+              </a:ext>
+            </a:extLst>
+          </a:blip>
+          <a:srcRect l="5585" r="11478" b="11478"/>
+          <a:stretch/>
+        </p:blipFill>
+        <p:spPr bwMode="auto">
+          <a:xfrm>
+            <a:off x="3779912" y="908720"/>
+            <a:ext cx="2808312" cy="2737308"/>
+          </a:xfrm>
+          <a:prstGeom prst="ellipse">
+            <a:avLst/>
+          </a:prstGeom>
+          <a:noFill/>
+          <a:ln w="19050">
+            <a:solidFill>
+              <a:schemeClr val="tx1"/>
+            </a:solidFill>
+            <a:miter lim="800000"/>
+            <a:headEnd/>
+            <a:tailEnd/>
+          </a:ln>
+          <a:effectLst/>
+          <a:extLst>
+            <a:ext uri="{909E8E84-426E-40DD-AFC4-6F175D3DCCD1}">
+              <a14:hiddenFill xmlns:a14="http://schemas.microsoft.com/office/drawing/2010/main">
+                <a:solidFill>
+                  <a:schemeClr val="accent1"/>
+                </a:solidFill>
+              </a14:hiddenFill>
+            </a:ext>
+            <a:ext uri="{AF507438-7753-43E0-B8FC-AC1667EBCBE1}">
+              <a14:hiddenEffects xmlns:a14="http://schemas.microsoft.com/office/drawing/2010/main">
+                <a:effectLst>
+                  <a:outerShdw dist="35921" dir="2700000" algn="ctr" rotWithShape="0">
+                    <a:schemeClr val="bg2"/>
+                  </a:outerShdw>
+                </a:effectLst>
+              </a14:hiddenEffects>
+            </a:ext>
+          </a:extLst>
+        </p:spPr>
+      </p:pic>
+      <p:sp>
+        <p:nvSpPr>
+          <p:cNvPr id="4" name="타원 3"/>
+          <p:cNvSpPr/>
+          <p:nvPr/>
+        </p:nvSpPr>
+        <p:spPr>
+          <a:xfrm>
+            <a:off x="7236296" y="2421616"/>
+            <a:ext cx="648072" cy="648072"/>
+          </a:xfrm>
+          <a:prstGeom prst="ellipse">
+            <a:avLst/>
+          </a:prstGeom>
+          <a:noFill/>
+          <a:ln w="19050">
+            <a:solidFill>
+              <a:schemeClr val="tx1"/>
+            </a:solidFill>
+            <a:prstDash val="sysDot"/>
+          </a:ln>
+        </p:spPr>
+        <p:style>
+          <a:lnRef idx="2">
+            <a:schemeClr val="accent1">
+              <a:shade val="50000"/>
+            </a:schemeClr>
+          </a:lnRef>
+          <a:fillRef idx="1">
+            <a:schemeClr val="accent1"/>
+          </a:fillRef>
+          <a:effectRef idx="0">
+            <a:schemeClr val="accent1"/>
+          </a:effectRef>
+          <a:fontRef idx="minor">
+            <a:schemeClr val="lt1"/>
+          </a:fontRef>
+        </p:style>
+        <p:txBody>
+          <a:bodyPr rtlCol="0" anchor="ctr"/>
+          <a:lstStyle/>
+          <a:p>
+            <a:pPr algn="ctr"/>
+            <a:endParaRPr lang="ko-KR" altLang="en-US"/>
+          </a:p>
+        </p:txBody>
+      </p:sp>
+    </p:spTree>
+    <p:extLst>
+      <p:ext uri="{BB962C8B-B14F-4D97-AF65-F5344CB8AC3E}">
+        <p14:creationId xmlns:p14="http://schemas.microsoft.com/office/powerpoint/2010/main" val="3992146396"/>
+      </p:ext>
+    </p:extLst>
+  </p:cSld>
+  <p:clrMapOvr>
+    <a:masterClrMapping/>
+  </p:clrMapOvr>
+</p:sld>
+</file>
+
 <file path=ppt/theme/theme1.xml><?xml version="1.0" encoding="utf-8"?>
 <a:theme xmlns:a="http://schemas.openxmlformats.org/drawingml/2006/main" name="Office 테마">
   <a:themeElements>

--- a/pics/2021-04-29-Euler_method/pics.pptx
+++ b/pics/2021-04-29-Euler_method/pics.pptx
@@ -11,6 +11,7 @@
     <p:sldId id="259" r:id="rId5"/>
     <p:sldId id="260" r:id="rId6"/>
     <p:sldId id="261" r:id="rId7"/>
+    <p:sldId id="262" r:id="rId8"/>
   </p:sldIdLst>
   <p:sldSz cx="9144000" cy="6858000" type="screen4x3"/>
   <p:notesSz cx="6858000" cy="9144000"/>
@@ -3769,6 +3770,1339 @@
 </p:sld>
 </file>
 
+<file path=ppt/slides/slide7.xml><?xml version="1.0" encoding="utf-8"?>
+<p:sld xmlns:a="http://schemas.openxmlformats.org/drawingml/2006/main" xmlns:r="http://schemas.openxmlformats.org/officeDocument/2006/relationships" xmlns:p="http://schemas.openxmlformats.org/presentationml/2006/main">
+  <p:cSld>
+    <p:spTree>
+      <p:nvGrpSpPr>
+        <p:cNvPr id="1" name=""/>
+        <p:cNvGrpSpPr/>
+        <p:nvPr/>
+      </p:nvGrpSpPr>
+      <p:grpSpPr>
+        <a:xfrm>
+          <a:off x="0" y="0"/>
+          <a:ext cx="0" cy="0"/>
+          <a:chOff x="0" y="0"/>
+          <a:chExt cx="0" cy="0"/>
+        </a:xfrm>
+      </p:grpSpPr>
+      <p:cxnSp>
+        <p:nvCxnSpPr>
+          <p:cNvPr id="5" name="직선 화살표 연결선 4"/>
+          <p:cNvCxnSpPr/>
+          <p:nvPr/>
+        </p:nvCxnSpPr>
+        <p:spPr>
+          <a:xfrm>
+            <a:off x="1475656" y="4797152"/>
+            <a:ext cx="6408712" cy="0"/>
+          </a:xfrm>
+          <a:prstGeom prst="straightConnector1">
+            <a:avLst/>
+          </a:prstGeom>
+          <a:ln w="38100">
+            <a:solidFill>
+              <a:schemeClr val="tx1"/>
+            </a:solidFill>
+            <a:tailEnd type="arrow"/>
+          </a:ln>
+        </p:spPr>
+        <p:style>
+          <a:lnRef idx="1">
+            <a:schemeClr val="accent1"/>
+          </a:lnRef>
+          <a:fillRef idx="0">
+            <a:schemeClr val="accent1"/>
+          </a:fillRef>
+          <a:effectRef idx="0">
+            <a:schemeClr val="accent1"/>
+          </a:effectRef>
+          <a:fontRef idx="minor">
+            <a:schemeClr val="tx1"/>
+          </a:fontRef>
+        </p:style>
+      </p:cxnSp>
+      <p:cxnSp>
+        <p:nvCxnSpPr>
+          <p:cNvPr id="7" name="직선 화살표 연결선 6"/>
+          <p:cNvCxnSpPr/>
+          <p:nvPr/>
+        </p:nvCxnSpPr>
+        <p:spPr>
+          <a:xfrm flipV="1">
+            <a:off x="2051720" y="1052736"/>
+            <a:ext cx="0" cy="4320480"/>
+          </a:xfrm>
+          <a:prstGeom prst="straightConnector1">
+            <a:avLst/>
+          </a:prstGeom>
+          <a:ln w="38100">
+            <a:solidFill>
+              <a:schemeClr val="tx1"/>
+            </a:solidFill>
+            <a:tailEnd type="arrow"/>
+          </a:ln>
+        </p:spPr>
+        <p:style>
+          <a:lnRef idx="1">
+            <a:schemeClr val="accent1"/>
+          </a:lnRef>
+          <a:fillRef idx="0">
+            <a:schemeClr val="accent1"/>
+          </a:fillRef>
+          <a:effectRef idx="0">
+            <a:schemeClr val="accent1"/>
+          </a:effectRef>
+          <a:fontRef idx="minor">
+            <a:schemeClr val="tx1"/>
+          </a:fontRef>
+        </p:style>
+      </p:cxnSp>
+      <p:cxnSp>
+        <p:nvCxnSpPr>
+          <p:cNvPr id="10" name="직선 연결선 9"/>
+          <p:cNvCxnSpPr/>
+          <p:nvPr/>
+        </p:nvCxnSpPr>
+        <p:spPr>
+          <a:xfrm>
+            <a:off x="4680012" y="4668621"/>
+            <a:ext cx="0" cy="288032"/>
+          </a:xfrm>
+          <a:prstGeom prst="line">
+            <a:avLst/>
+          </a:prstGeom>
+          <a:ln w="38100">
+            <a:solidFill>
+              <a:schemeClr val="tx1"/>
+            </a:solidFill>
+          </a:ln>
+        </p:spPr>
+        <p:style>
+          <a:lnRef idx="1">
+            <a:schemeClr val="accent1"/>
+          </a:lnRef>
+          <a:fillRef idx="0">
+            <a:schemeClr val="accent1"/>
+          </a:fillRef>
+          <a:effectRef idx="0">
+            <a:schemeClr val="accent1"/>
+          </a:effectRef>
+          <a:fontRef idx="minor">
+            <a:schemeClr val="tx1"/>
+          </a:fontRef>
+        </p:style>
+      </p:cxnSp>
+      <p:cxnSp>
+        <p:nvCxnSpPr>
+          <p:cNvPr id="11" name="직선 연결선 10"/>
+          <p:cNvCxnSpPr/>
+          <p:nvPr/>
+        </p:nvCxnSpPr>
+        <p:spPr>
+          <a:xfrm>
+            <a:off x="5508104" y="4668621"/>
+            <a:ext cx="0" cy="288032"/>
+          </a:xfrm>
+          <a:prstGeom prst="line">
+            <a:avLst/>
+          </a:prstGeom>
+          <a:ln w="38100">
+            <a:solidFill>
+              <a:schemeClr val="tx1"/>
+            </a:solidFill>
+          </a:ln>
+        </p:spPr>
+        <p:style>
+          <a:lnRef idx="1">
+            <a:schemeClr val="accent1"/>
+          </a:lnRef>
+          <a:fillRef idx="0">
+            <a:schemeClr val="accent1"/>
+          </a:fillRef>
+          <a:effectRef idx="0">
+            <a:schemeClr val="accent1"/>
+          </a:effectRef>
+          <a:fontRef idx="minor">
+            <a:schemeClr val="tx1"/>
+          </a:fontRef>
+        </p:style>
+      </p:cxnSp>
+      <p:cxnSp>
+        <p:nvCxnSpPr>
+          <p:cNvPr id="12" name="직선 연결선 11"/>
+          <p:cNvCxnSpPr/>
+          <p:nvPr/>
+        </p:nvCxnSpPr>
+        <p:spPr>
+          <a:xfrm>
+            <a:off x="3707904" y="4668621"/>
+            <a:ext cx="0" cy="288032"/>
+          </a:xfrm>
+          <a:prstGeom prst="line">
+            <a:avLst/>
+          </a:prstGeom>
+          <a:ln w="38100">
+            <a:solidFill>
+              <a:schemeClr val="tx1"/>
+            </a:solidFill>
+          </a:ln>
+        </p:spPr>
+        <p:style>
+          <a:lnRef idx="1">
+            <a:schemeClr val="accent1"/>
+          </a:lnRef>
+          <a:fillRef idx="0">
+            <a:schemeClr val="accent1"/>
+          </a:fillRef>
+          <a:effectRef idx="0">
+            <a:schemeClr val="accent1"/>
+          </a:effectRef>
+          <a:fontRef idx="minor">
+            <a:schemeClr val="tx1"/>
+          </a:fontRef>
+        </p:style>
+      </p:cxnSp>
+      <p:sp>
+        <p:nvSpPr>
+          <p:cNvPr id="20" name="자유형 19"/>
+          <p:cNvSpPr/>
+          <p:nvPr/>
+        </p:nvSpPr>
+        <p:spPr>
+          <a:xfrm>
+            <a:off x="1805940" y="868680"/>
+            <a:ext cx="5692140" cy="2198347"/>
+          </a:xfrm>
+          <a:custGeom>
+            <a:avLst/>
+            <a:gdLst>
+              <a:gd name="connsiteX0" fmla="*/ 5692140 w 5692140"/>
+              <a:gd name="connsiteY0" fmla="*/ 0 h 2198347"/>
+              <a:gd name="connsiteX1" fmla="*/ 2865120 w 5692140"/>
+              <a:gd name="connsiteY1" fmla="*/ 2095500 h 2198347"/>
+              <a:gd name="connsiteX2" fmla="*/ 0 w 5692140"/>
+              <a:gd name="connsiteY2" fmla="*/ 1684020 h 2198347"/>
+            </a:gdLst>
+            <a:ahLst/>
+            <a:cxnLst>
+              <a:cxn ang="0">
+                <a:pos x="connsiteX0" y="connsiteY0"/>
+              </a:cxn>
+              <a:cxn ang="0">
+                <a:pos x="connsiteX1" y="connsiteY1"/>
+              </a:cxn>
+              <a:cxn ang="0">
+                <a:pos x="connsiteX2" y="connsiteY2"/>
+              </a:cxn>
+            </a:cxnLst>
+            <a:rect l="l" t="t" r="r" b="b"/>
+            <a:pathLst>
+              <a:path w="5692140" h="2198347">
+                <a:moveTo>
+                  <a:pt x="5692140" y="0"/>
+                </a:moveTo>
+                <a:cubicBezTo>
+                  <a:pt x="4752975" y="907415"/>
+                  <a:pt x="3813810" y="1814830"/>
+                  <a:pt x="2865120" y="2095500"/>
+                </a:cubicBezTo>
+                <a:cubicBezTo>
+                  <a:pt x="1916430" y="2376170"/>
+                  <a:pt x="958215" y="2030095"/>
+                  <a:pt x="0" y="1684020"/>
+                </a:cubicBezTo>
+              </a:path>
+            </a:pathLst>
+          </a:custGeom>
+          <a:ln w="19050">
+            <a:solidFill>
+              <a:schemeClr val="tx1"/>
+            </a:solidFill>
+            <a:prstDash val="solid"/>
+          </a:ln>
+        </p:spPr>
+        <p:style>
+          <a:lnRef idx="1">
+            <a:schemeClr val="accent1"/>
+          </a:lnRef>
+          <a:fillRef idx="0">
+            <a:schemeClr val="accent1"/>
+          </a:fillRef>
+          <a:effectRef idx="0">
+            <a:schemeClr val="accent1"/>
+          </a:effectRef>
+          <a:fontRef idx="minor">
+            <a:schemeClr val="tx1"/>
+          </a:fontRef>
+        </p:style>
+        <p:txBody>
+          <a:bodyPr rtlCol="0" anchor="ctr"/>
+          <a:lstStyle/>
+          <a:p>
+            <a:pPr algn="ctr"/>
+            <a:endParaRPr lang="ko-KR" altLang="en-US"/>
+          </a:p>
+        </p:txBody>
+      </p:sp>
+      <mc:AlternateContent xmlns:mc="http://schemas.openxmlformats.org/markup-compatibility/2006">
+        <mc:Choice xmlns:a14="http://schemas.microsoft.com/office/drawing/2010/main" Requires="a14">
+          <p:sp>
+            <p:nvSpPr>
+              <p:cNvPr id="21" name="TextBox 20"/>
+              <p:cNvSpPr txBox="1"/>
+              <p:nvPr/>
+            </p:nvSpPr>
+            <p:spPr>
+              <a:xfrm>
+                <a:off x="7559537" y="4941168"/>
+                <a:ext cx="396839" cy="369332"/>
+              </a:xfrm>
+              <a:prstGeom prst="rect">
+                <a:avLst/>
+              </a:prstGeom>
+              <a:noFill/>
+            </p:spPr>
+            <p:txBody>
+              <a:bodyPr wrap="none" rtlCol="0">
+                <a:spAutoFit/>
+              </a:bodyPr>
+              <a:lstStyle/>
+              <a:p>
+                <a14:m>
+                  <m:oMathPara xmlns:m="http://schemas.openxmlformats.org/officeDocument/2006/math">
+                    <m:oMathParaPr>
+                      <m:jc m:val="centerGroup"/>
+                    </m:oMathParaPr>
+                    <m:oMath xmlns:m="http://schemas.openxmlformats.org/officeDocument/2006/math">
+                      <m:r>
+                        <a:rPr lang="en-US" altLang="ko-KR" b="0" i="1" smtClean="0">
+                          <a:latin typeface="Cambria Math"/>
+                        </a:rPr>
+                        <m:t>𝑥</m:t>
+                      </m:r>
+                    </m:oMath>
+                  </m:oMathPara>
+                </a14:m>
+                <a:endParaRPr lang="ko-KR" altLang="en-US" dirty="0"/>
+              </a:p>
+            </p:txBody>
+          </p:sp>
+        </mc:Choice>
+        <mc:Fallback>
+          <p:sp>
+            <p:nvSpPr>
+              <p:cNvPr id="21" name="TextBox 20"/>
+              <p:cNvSpPr txBox="1">
+                <a:spLocks noRot="1" noChangeAspect="1" noMove="1" noResize="1" noEditPoints="1" noAdjustHandles="1" noChangeArrowheads="1" noChangeShapeType="1" noTextEdit="1"/>
+              </p:cNvSpPr>
+              <p:nvPr/>
+            </p:nvSpPr>
+            <p:spPr>
+              <a:xfrm>
+                <a:off x="7559537" y="4941168"/>
+                <a:ext cx="396839" cy="369332"/>
+              </a:xfrm>
+              <a:prstGeom prst="rect">
+                <a:avLst/>
+              </a:prstGeom>
+              <a:blipFill rotWithShape="1">
+                <a:blip r:embed="rId2"/>
+                <a:stretch>
+                  <a:fillRect/>
+                </a:stretch>
+              </a:blipFill>
+            </p:spPr>
+            <p:txBody>
+              <a:bodyPr/>
+              <a:lstStyle/>
+              <a:p>
+                <a:r>
+                  <a:rPr lang="ko-KR" altLang="en-US">
+                    <a:noFill/>
+                  </a:rPr>
+                  <a:t> </a:t>
+                </a:r>
+              </a:p>
+            </p:txBody>
+          </p:sp>
+        </mc:Fallback>
+      </mc:AlternateContent>
+      <mc:AlternateContent xmlns:mc="http://schemas.openxmlformats.org/markup-compatibility/2006">
+        <mc:Choice xmlns:a14="http://schemas.microsoft.com/office/drawing/2010/main" Requires="a14">
+          <p:sp>
+            <p:nvSpPr>
+              <p:cNvPr id="22" name="TextBox 21"/>
+              <p:cNvSpPr txBox="1"/>
+              <p:nvPr/>
+            </p:nvSpPr>
+            <p:spPr>
+              <a:xfrm>
+                <a:off x="1607520" y="908720"/>
+                <a:ext cx="396839" cy="369332"/>
+              </a:xfrm>
+              <a:prstGeom prst="rect">
+                <a:avLst/>
+              </a:prstGeom>
+              <a:noFill/>
+            </p:spPr>
+            <p:txBody>
+              <a:bodyPr wrap="none" rtlCol="0">
+                <a:spAutoFit/>
+              </a:bodyPr>
+              <a:lstStyle/>
+              <a:p>
+                <a14:m>
+                  <m:oMathPara xmlns:m="http://schemas.openxmlformats.org/officeDocument/2006/math">
+                    <m:oMathParaPr>
+                      <m:jc m:val="centerGroup"/>
+                    </m:oMathParaPr>
+                    <m:oMath xmlns:m="http://schemas.openxmlformats.org/officeDocument/2006/math">
+                      <m:r>
+                        <a:rPr lang="en-US" altLang="ko-KR" b="0" i="1" smtClean="0">
+                          <a:latin typeface="Cambria Math"/>
+                        </a:rPr>
+                        <m:t>𝑦</m:t>
+                      </m:r>
+                    </m:oMath>
+                  </m:oMathPara>
+                </a14:m>
+                <a:endParaRPr lang="ko-KR" altLang="en-US" dirty="0"/>
+              </a:p>
+            </p:txBody>
+          </p:sp>
+        </mc:Choice>
+        <mc:Fallback>
+          <p:sp>
+            <p:nvSpPr>
+              <p:cNvPr id="22" name="TextBox 21"/>
+              <p:cNvSpPr txBox="1">
+                <a:spLocks noRot="1" noChangeAspect="1" noMove="1" noResize="1" noEditPoints="1" noAdjustHandles="1" noChangeArrowheads="1" noChangeShapeType="1" noTextEdit="1"/>
+              </p:cNvSpPr>
+              <p:nvPr/>
+            </p:nvSpPr>
+            <p:spPr>
+              <a:xfrm>
+                <a:off x="1607520" y="908720"/>
+                <a:ext cx="396839" cy="369332"/>
+              </a:xfrm>
+              <a:prstGeom prst="rect">
+                <a:avLst/>
+              </a:prstGeom>
+              <a:blipFill rotWithShape="1">
+                <a:blip r:embed="rId3"/>
+                <a:stretch>
+                  <a:fillRect b="-8197"/>
+                </a:stretch>
+              </a:blipFill>
+            </p:spPr>
+            <p:txBody>
+              <a:bodyPr/>
+              <a:lstStyle/>
+              <a:p>
+                <a:r>
+                  <a:rPr lang="ko-KR" altLang="en-US">
+                    <a:noFill/>
+                  </a:rPr>
+                  <a:t> </a:t>
+                </a:r>
+              </a:p>
+            </p:txBody>
+          </p:sp>
+        </mc:Fallback>
+      </mc:AlternateContent>
+      <mc:AlternateContent xmlns:mc="http://schemas.openxmlformats.org/markup-compatibility/2006">
+        <mc:Choice xmlns:a14="http://schemas.microsoft.com/office/drawing/2010/main" Requires="a14">
+          <p:sp>
+            <p:nvSpPr>
+              <p:cNvPr id="23" name="TextBox 22"/>
+              <p:cNvSpPr txBox="1"/>
+              <p:nvPr/>
+            </p:nvSpPr>
+            <p:spPr>
+              <a:xfrm>
+                <a:off x="1582873" y="4859868"/>
+                <a:ext cx="396839" cy="369332"/>
+              </a:xfrm>
+              <a:prstGeom prst="rect">
+                <a:avLst/>
+              </a:prstGeom>
+              <a:noFill/>
+            </p:spPr>
+            <p:txBody>
+              <a:bodyPr wrap="none" rtlCol="0">
+                <a:spAutoFit/>
+              </a:bodyPr>
+              <a:lstStyle/>
+              <a:p>
+                <a14:m>
+                  <m:oMathPara xmlns:m="http://schemas.openxmlformats.org/officeDocument/2006/math">
+                    <m:oMathParaPr>
+                      <m:jc m:val="centerGroup"/>
+                    </m:oMathParaPr>
+                    <m:oMath xmlns:m="http://schemas.openxmlformats.org/officeDocument/2006/math">
+                      <m:r>
+                        <a:rPr lang="en-US" altLang="ko-KR" b="0" i="1" smtClean="0">
+                          <a:latin typeface="Cambria Math"/>
+                        </a:rPr>
+                        <m:t>0</m:t>
+                      </m:r>
+                    </m:oMath>
+                  </m:oMathPara>
+                </a14:m>
+                <a:endParaRPr lang="ko-KR" altLang="en-US" dirty="0"/>
+              </a:p>
+            </p:txBody>
+          </p:sp>
+        </mc:Choice>
+        <mc:Fallback>
+          <p:sp>
+            <p:nvSpPr>
+              <p:cNvPr id="23" name="TextBox 22"/>
+              <p:cNvSpPr txBox="1">
+                <a:spLocks noRot="1" noChangeAspect="1" noMove="1" noResize="1" noEditPoints="1" noAdjustHandles="1" noChangeArrowheads="1" noChangeShapeType="1" noTextEdit="1"/>
+              </p:cNvSpPr>
+              <p:nvPr/>
+            </p:nvSpPr>
+            <p:spPr>
+              <a:xfrm>
+                <a:off x="1582873" y="4859868"/>
+                <a:ext cx="396839" cy="369332"/>
+              </a:xfrm>
+              <a:prstGeom prst="rect">
+                <a:avLst/>
+              </a:prstGeom>
+              <a:blipFill rotWithShape="1">
+                <a:blip r:embed="rId4"/>
+                <a:stretch>
+                  <a:fillRect/>
+                </a:stretch>
+              </a:blipFill>
+            </p:spPr>
+            <p:txBody>
+              <a:bodyPr/>
+              <a:lstStyle/>
+              <a:p>
+                <a:r>
+                  <a:rPr lang="ko-KR" altLang="en-US">
+                    <a:noFill/>
+                  </a:rPr>
+                  <a:t> </a:t>
+                </a:r>
+              </a:p>
+            </p:txBody>
+          </p:sp>
+        </mc:Fallback>
+      </mc:AlternateContent>
+      <mc:AlternateContent xmlns:mc="http://schemas.openxmlformats.org/markup-compatibility/2006">
+        <mc:Choice xmlns:a14="http://schemas.microsoft.com/office/drawing/2010/main" Requires="a14">
+          <p:sp>
+            <p:nvSpPr>
+              <p:cNvPr id="24" name="TextBox 23"/>
+              <p:cNvSpPr txBox="1"/>
+              <p:nvPr/>
+            </p:nvSpPr>
+            <p:spPr>
+              <a:xfrm>
+                <a:off x="4481592" y="4859868"/>
+                <a:ext cx="494944" cy="369332"/>
+              </a:xfrm>
+              <a:prstGeom prst="rect">
+                <a:avLst/>
+              </a:prstGeom>
+              <a:noFill/>
+            </p:spPr>
+            <p:txBody>
+              <a:bodyPr wrap="none" rtlCol="0">
+                <a:spAutoFit/>
+              </a:bodyPr>
+              <a:lstStyle/>
+              <a:p>
+                <a14:m>
+                  <m:oMathPara xmlns:m="http://schemas.openxmlformats.org/officeDocument/2006/math">
+                    <m:oMathParaPr>
+                      <m:jc m:val="centerGroup"/>
+                    </m:oMathParaPr>
+                    <m:oMath xmlns:m="http://schemas.openxmlformats.org/officeDocument/2006/math">
+                      <m:sSub>
+                        <m:sSubPr>
+                          <m:ctrlPr>
+                            <a:rPr lang="en-US" altLang="ko-KR" b="0" i="1" smtClean="0">
+                              <a:latin typeface="Cambria Math"/>
+                            </a:rPr>
+                          </m:ctrlPr>
+                        </m:sSubPr>
+                        <m:e>
+                          <m:r>
+                            <a:rPr lang="en-US" altLang="ko-KR" b="0" i="1" smtClean="0">
+                              <a:latin typeface="Cambria Math"/>
+                            </a:rPr>
+                            <m:t>𝑥</m:t>
+                          </m:r>
+                        </m:e>
+                        <m:sub>
+                          <m:r>
+                            <a:rPr lang="en-US" altLang="ko-KR" b="0" i="1" smtClean="0">
+                              <a:latin typeface="Cambria Math"/>
+                            </a:rPr>
+                            <m:t>0</m:t>
+                          </m:r>
+                        </m:sub>
+                      </m:sSub>
+                    </m:oMath>
+                  </m:oMathPara>
+                </a14:m>
+                <a:endParaRPr lang="ko-KR" altLang="en-US" dirty="0"/>
+              </a:p>
+            </p:txBody>
+          </p:sp>
+        </mc:Choice>
+        <mc:Fallback>
+          <p:sp>
+            <p:nvSpPr>
+              <p:cNvPr id="24" name="TextBox 23"/>
+              <p:cNvSpPr txBox="1">
+                <a:spLocks noRot="1" noChangeAspect="1" noMove="1" noResize="1" noEditPoints="1" noAdjustHandles="1" noChangeArrowheads="1" noChangeShapeType="1" noTextEdit="1"/>
+              </p:cNvSpPr>
+              <p:nvPr/>
+            </p:nvSpPr>
+            <p:spPr>
+              <a:xfrm>
+                <a:off x="4481592" y="4859868"/>
+                <a:ext cx="494944" cy="369332"/>
+              </a:xfrm>
+              <a:prstGeom prst="rect">
+                <a:avLst/>
+              </a:prstGeom>
+              <a:blipFill rotWithShape="1">
+                <a:blip r:embed="rId5"/>
+                <a:stretch>
+                  <a:fillRect b="-1639"/>
+                </a:stretch>
+              </a:blipFill>
+            </p:spPr>
+            <p:txBody>
+              <a:bodyPr/>
+              <a:lstStyle/>
+              <a:p>
+                <a:r>
+                  <a:rPr lang="ko-KR" altLang="en-US">
+                    <a:noFill/>
+                  </a:rPr>
+                  <a:t> </a:t>
+                </a:r>
+              </a:p>
+            </p:txBody>
+          </p:sp>
+        </mc:Fallback>
+      </mc:AlternateContent>
+      <mc:AlternateContent xmlns:mc="http://schemas.openxmlformats.org/markup-compatibility/2006">
+        <mc:Choice xmlns:a14="http://schemas.microsoft.com/office/drawing/2010/main" Requires="a14">
+          <p:sp>
+            <p:nvSpPr>
+              <p:cNvPr id="25" name="TextBox 24"/>
+              <p:cNvSpPr txBox="1"/>
+              <p:nvPr/>
+            </p:nvSpPr>
+            <p:spPr>
+              <a:xfrm>
+                <a:off x="5135380" y="4859868"/>
+                <a:ext cx="902876" cy="369332"/>
+              </a:xfrm>
+              <a:prstGeom prst="rect">
+                <a:avLst/>
+              </a:prstGeom>
+              <a:noFill/>
+            </p:spPr>
+            <p:txBody>
+              <a:bodyPr wrap="none" rtlCol="0">
+                <a:spAutoFit/>
+              </a:bodyPr>
+              <a:lstStyle/>
+              <a:p>
+                <a14:m>
+                  <m:oMathPara xmlns:m="http://schemas.openxmlformats.org/officeDocument/2006/math">
+                    <m:oMathParaPr>
+                      <m:jc m:val="centerGroup"/>
+                    </m:oMathParaPr>
+                    <m:oMath xmlns:m="http://schemas.openxmlformats.org/officeDocument/2006/math">
+                      <m:sSub>
+                        <m:sSubPr>
+                          <m:ctrlPr>
+                            <a:rPr lang="en-US" altLang="ko-KR" b="0" i="1" smtClean="0">
+                              <a:latin typeface="Cambria Math"/>
+                            </a:rPr>
+                          </m:ctrlPr>
+                        </m:sSubPr>
+                        <m:e>
+                          <m:r>
+                            <a:rPr lang="en-US" altLang="ko-KR" b="0" i="1" smtClean="0">
+                              <a:latin typeface="Cambria Math"/>
+                            </a:rPr>
+                            <m:t>𝑥</m:t>
+                          </m:r>
+                        </m:e>
+                        <m:sub>
+                          <m:r>
+                            <a:rPr lang="en-US" altLang="ko-KR" b="0" i="1" smtClean="0">
+                              <a:latin typeface="Cambria Math"/>
+                            </a:rPr>
+                            <m:t>0</m:t>
+                          </m:r>
+                        </m:sub>
+                      </m:sSub>
+                      <m:r>
+                        <a:rPr lang="en-US" altLang="ko-KR" b="0" i="1" smtClean="0">
+                          <a:latin typeface="Cambria Math"/>
+                        </a:rPr>
+                        <m:t>+</m:t>
+                      </m:r>
+                      <m:r>
+                        <a:rPr lang="en-US" altLang="ko-KR" b="0" i="1" smtClean="0">
+                          <a:latin typeface="Cambria Math"/>
+                        </a:rPr>
+                        <m:t>h</m:t>
+                      </m:r>
+                    </m:oMath>
+                  </m:oMathPara>
+                </a14:m>
+                <a:endParaRPr lang="ko-KR" altLang="en-US" dirty="0"/>
+              </a:p>
+            </p:txBody>
+          </p:sp>
+        </mc:Choice>
+        <mc:Fallback>
+          <p:sp>
+            <p:nvSpPr>
+              <p:cNvPr id="25" name="TextBox 24"/>
+              <p:cNvSpPr txBox="1">
+                <a:spLocks noRot="1" noChangeAspect="1" noMove="1" noResize="1" noEditPoints="1" noAdjustHandles="1" noChangeArrowheads="1" noChangeShapeType="1" noTextEdit="1"/>
+              </p:cNvSpPr>
+              <p:nvPr/>
+            </p:nvSpPr>
+            <p:spPr>
+              <a:xfrm>
+                <a:off x="5135380" y="4859868"/>
+                <a:ext cx="902876" cy="369332"/>
+              </a:xfrm>
+              <a:prstGeom prst="rect">
+                <a:avLst/>
+              </a:prstGeom>
+              <a:blipFill rotWithShape="1">
+                <a:blip r:embed="rId6"/>
+                <a:stretch>
+                  <a:fillRect b="-1639"/>
+                </a:stretch>
+              </a:blipFill>
+            </p:spPr>
+            <p:txBody>
+              <a:bodyPr/>
+              <a:lstStyle/>
+              <a:p>
+                <a:r>
+                  <a:rPr lang="ko-KR" altLang="en-US">
+                    <a:noFill/>
+                  </a:rPr>
+                  <a:t> </a:t>
+                </a:r>
+              </a:p>
+            </p:txBody>
+          </p:sp>
+        </mc:Fallback>
+      </mc:AlternateContent>
+      <mc:AlternateContent xmlns:mc="http://schemas.openxmlformats.org/markup-compatibility/2006">
+        <mc:Choice xmlns:a14="http://schemas.microsoft.com/office/drawing/2010/main" Requires="a14">
+          <p:sp>
+            <p:nvSpPr>
+              <p:cNvPr id="26" name="TextBox 25"/>
+              <p:cNvSpPr txBox="1"/>
+              <p:nvPr/>
+            </p:nvSpPr>
+            <p:spPr>
+              <a:xfrm>
+                <a:off x="3256466" y="4859868"/>
+                <a:ext cx="902876" cy="369332"/>
+              </a:xfrm>
+              <a:prstGeom prst="rect">
+                <a:avLst/>
+              </a:prstGeom>
+              <a:noFill/>
+            </p:spPr>
+            <p:txBody>
+              <a:bodyPr wrap="none" rtlCol="0">
+                <a:spAutoFit/>
+              </a:bodyPr>
+              <a:lstStyle/>
+              <a:p>
+                <a14:m>
+                  <m:oMathPara xmlns:m="http://schemas.openxmlformats.org/officeDocument/2006/math">
+                    <m:oMathParaPr>
+                      <m:jc m:val="centerGroup"/>
+                    </m:oMathParaPr>
+                    <m:oMath xmlns:m="http://schemas.openxmlformats.org/officeDocument/2006/math">
+                      <m:sSub>
+                        <m:sSubPr>
+                          <m:ctrlPr>
+                            <a:rPr lang="en-US" altLang="ko-KR" b="0" i="1" smtClean="0">
+                              <a:latin typeface="Cambria Math"/>
+                            </a:rPr>
+                          </m:ctrlPr>
+                        </m:sSubPr>
+                        <m:e>
+                          <m:r>
+                            <a:rPr lang="en-US" altLang="ko-KR" b="0" i="1" smtClean="0">
+                              <a:latin typeface="Cambria Math"/>
+                            </a:rPr>
+                            <m:t>𝑥</m:t>
+                          </m:r>
+                        </m:e>
+                        <m:sub>
+                          <m:r>
+                            <a:rPr lang="en-US" altLang="ko-KR" b="0" i="1" smtClean="0">
+                              <a:latin typeface="Cambria Math"/>
+                            </a:rPr>
+                            <m:t>0</m:t>
+                          </m:r>
+                        </m:sub>
+                      </m:sSub>
+                      <m:r>
+                        <a:rPr lang="en-US" altLang="ko-KR" b="0" i="1" smtClean="0">
+                          <a:latin typeface="Cambria Math"/>
+                        </a:rPr>
+                        <m:t>−</m:t>
+                      </m:r>
+                      <m:r>
+                        <a:rPr lang="en-US" altLang="ko-KR" b="0" i="1" smtClean="0">
+                          <a:latin typeface="Cambria Math"/>
+                        </a:rPr>
+                        <m:t>h</m:t>
+                      </m:r>
+                    </m:oMath>
+                  </m:oMathPara>
+                </a14:m>
+                <a:endParaRPr lang="ko-KR" altLang="en-US" dirty="0"/>
+              </a:p>
+            </p:txBody>
+          </p:sp>
+        </mc:Choice>
+        <mc:Fallback>
+          <p:sp>
+            <p:nvSpPr>
+              <p:cNvPr id="26" name="TextBox 25"/>
+              <p:cNvSpPr txBox="1">
+                <a:spLocks noRot="1" noChangeAspect="1" noMove="1" noResize="1" noEditPoints="1" noAdjustHandles="1" noChangeArrowheads="1" noChangeShapeType="1" noTextEdit="1"/>
+              </p:cNvSpPr>
+              <p:nvPr/>
+            </p:nvSpPr>
+            <p:spPr>
+              <a:xfrm>
+                <a:off x="3256466" y="4859868"/>
+                <a:ext cx="902876" cy="369332"/>
+              </a:xfrm>
+              <a:prstGeom prst="rect">
+                <a:avLst/>
+              </a:prstGeom>
+              <a:blipFill rotWithShape="1">
+                <a:blip r:embed="rId7"/>
+                <a:stretch>
+                  <a:fillRect b="-1639"/>
+                </a:stretch>
+              </a:blipFill>
+            </p:spPr>
+            <p:txBody>
+              <a:bodyPr/>
+              <a:lstStyle/>
+              <a:p>
+                <a:r>
+                  <a:rPr lang="ko-KR" altLang="en-US">
+                    <a:noFill/>
+                  </a:rPr>
+                  <a:t> </a:t>
+                </a:r>
+              </a:p>
+            </p:txBody>
+          </p:sp>
+        </mc:Fallback>
+      </mc:AlternateContent>
+      <p:sp>
+        <p:nvSpPr>
+          <p:cNvPr id="27" name="TextBox 26"/>
+          <p:cNvSpPr txBox="1"/>
+          <p:nvPr/>
+        </p:nvSpPr>
+        <p:spPr>
+          <a:xfrm>
+            <a:off x="1083884" y="1768540"/>
+            <a:ext cx="3357086" cy="1021556"/>
+          </a:xfrm>
+          <a:prstGeom prst="roundRect">
+            <a:avLst/>
+          </a:prstGeom>
+          <a:solidFill>
+            <a:schemeClr val="bg1"/>
+          </a:solidFill>
+          <a:ln w="28575">
+            <a:solidFill>
+              <a:schemeClr val="accent1"/>
+            </a:solidFill>
+          </a:ln>
+        </p:spPr>
+        <p:txBody>
+          <a:bodyPr wrap="none" rtlCol="0">
+            <a:spAutoFit/>
+          </a:bodyPr>
+          <a:lstStyle/>
+          <a:p>
+            <a:pPr algn="ctr"/>
+            <a:r>
+              <a:rPr lang="ko-KR" altLang="en-US" dirty="0" smtClean="0">
+                <a:latin typeface="나눔바른고딕" pitchFamily="50" charset="-127"/>
+                <a:ea typeface="나눔바른고딕" pitchFamily="50" charset="-127"/>
+              </a:rPr>
+              <a:t>미분방정식</a:t>
+            </a:r>
+            <a:r>
+              <a:rPr lang="en-US" altLang="ko-KR" dirty="0" smtClean="0">
+                <a:latin typeface="나눔바른고딕" pitchFamily="50" charset="-127"/>
+                <a:ea typeface="나눔바른고딕" pitchFamily="50" charset="-127"/>
+              </a:rPr>
+              <a:t>: </a:t>
+            </a:r>
+          </a:p>
+          <a:p>
+            <a:pPr algn="ctr"/>
+            <a:r>
+              <a:rPr lang="ko-KR" altLang="en-US" dirty="0" smtClean="0">
+                <a:latin typeface="나눔바른고딕" pitchFamily="50" charset="-127"/>
+                <a:ea typeface="나눔바른고딕" pitchFamily="50" charset="-127"/>
+              </a:rPr>
+              <a:t>모든 점에서 바로 다음 포인트와의</a:t>
+            </a:r>
+            <a:endParaRPr lang="en-US" altLang="ko-KR" dirty="0" smtClean="0">
+              <a:latin typeface="나눔바른고딕" pitchFamily="50" charset="-127"/>
+              <a:ea typeface="나눔바른고딕" pitchFamily="50" charset="-127"/>
+            </a:endParaRPr>
+          </a:p>
+          <a:p>
+            <a:pPr algn="ctr"/>
+            <a:r>
+              <a:rPr lang="ko-KR" altLang="en-US" dirty="0" smtClean="0">
+                <a:latin typeface="나눔바른고딕" pitchFamily="50" charset="-127"/>
+                <a:ea typeface="나눔바른고딕" pitchFamily="50" charset="-127"/>
+              </a:rPr>
+              <a:t>변화 관계에 대한 표현</a:t>
+            </a:r>
+            <a:endParaRPr lang="ko-KR" altLang="en-US" dirty="0">
+              <a:latin typeface="나눔바른고딕" pitchFamily="50" charset="-127"/>
+              <a:ea typeface="나눔바른고딕" pitchFamily="50" charset="-127"/>
+            </a:endParaRPr>
+          </a:p>
+        </p:txBody>
+      </p:sp>
+      <p:sp>
+        <p:nvSpPr>
+          <p:cNvPr id="8" name="타원 7"/>
+          <p:cNvSpPr/>
+          <p:nvPr/>
+        </p:nvSpPr>
+        <p:spPr>
+          <a:xfrm flipV="1">
+            <a:off x="4644008" y="2924944"/>
+            <a:ext cx="72008" cy="72008"/>
+          </a:xfrm>
+          <a:prstGeom prst="ellipse">
+            <a:avLst/>
+          </a:prstGeom>
+          <a:solidFill>
+            <a:schemeClr val="accent1"/>
+          </a:solidFill>
+          <a:ln w="19050">
+            <a:solidFill>
+              <a:schemeClr val="accent1"/>
+            </a:solidFill>
+          </a:ln>
+        </p:spPr>
+        <p:style>
+          <a:lnRef idx="2">
+            <a:schemeClr val="accent1">
+              <a:shade val="50000"/>
+            </a:schemeClr>
+          </a:lnRef>
+          <a:fillRef idx="1">
+            <a:schemeClr val="accent1"/>
+          </a:fillRef>
+          <a:effectRef idx="0">
+            <a:schemeClr val="accent1"/>
+          </a:effectRef>
+          <a:fontRef idx="minor">
+            <a:schemeClr val="lt1"/>
+          </a:fontRef>
+        </p:style>
+        <p:txBody>
+          <a:bodyPr rtlCol="0" anchor="ctr"/>
+          <a:lstStyle/>
+          <a:p>
+            <a:pPr algn="ctr"/>
+            <a:endParaRPr lang="ko-KR" altLang="en-US" dirty="0"/>
+          </a:p>
+        </p:txBody>
+      </p:sp>
+      <p:cxnSp>
+        <p:nvCxnSpPr>
+          <p:cNvPr id="16" name="직선 연결선 15"/>
+          <p:cNvCxnSpPr/>
+          <p:nvPr/>
+        </p:nvCxnSpPr>
+        <p:spPr>
+          <a:xfrm flipV="1">
+            <a:off x="3851920" y="2758068"/>
+            <a:ext cx="1512168" cy="432048"/>
+          </a:xfrm>
+          <a:prstGeom prst="line">
+            <a:avLst/>
+          </a:prstGeom>
+          <a:ln w="19050">
+            <a:solidFill>
+              <a:schemeClr val="accent6"/>
+            </a:solidFill>
+          </a:ln>
+        </p:spPr>
+        <p:style>
+          <a:lnRef idx="1">
+            <a:schemeClr val="accent1"/>
+          </a:lnRef>
+          <a:fillRef idx="0">
+            <a:schemeClr val="accent1"/>
+          </a:fillRef>
+          <a:effectRef idx="0">
+            <a:schemeClr val="accent1"/>
+          </a:effectRef>
+          <a:fontRef idx="minor">
+            <a:schemeClr val="tx1"/>
+          </a:fontRef>
+        </p:style>
+      </p:cxnSp>
+      <p:sp>
+        <p:nvSpPr>
+          <p:cNvPr id="28" name="TextBox 27"/>
+          <p:cNvSpPr txBox="1"/>
+          <p:nvPr/>
+        </p:nvSpPr>
+        <p:spPr>
+          <a:xfrm>
+            <a:off x="5004048" y="2988231"/>
+            <a:ext cx="2372328" cy="715089"/>
+          </a:xfrm>
+          <a:prstGeom prst="roundRect">
+            <a:avLst/>
+          </a:prstGeom>
+          <a:ln/>
+        </p:spPr>
+        <p:style>
+          <a:lnRef idx="2">
+            <a:schemeClr val="accent6"/>
+          </a:lnRef>
+          <a:fillRef idx="1">
+            <a:schemeClr val="lt1"/>
+          </a:fillRef>
+          <a:effectRef idx="0">
+            <a:schemeClr val="accent6"/>
+          </a:effectRef>
+          <a:fontRef idx="minor">
+            <a:schemeClr val="dk1"/>
+          </a:fontRef>
+        </p:style>
+        <p:txBody>
+          <a:bodyPr wrap="none" rtlCol="0">
+            <a:spAutoFit/>
+          </a:bodyPr>
+          <a:lstStyle/>
+          <a:p>
+            <a:pPr algn="ctr"/>
+            <a:r>
+              <a:rPr lang="ko-KR" altLang="en-US" dirty="0" smtClean="0">
+                <a:latin typeface="나눔바른고딕" pitchFamily="50" charset="-127"/>
+                <a:ea typeface="나눔바른고딕" pitchFamily="50" charset="-127"/>
+              </a:rPr>
+              <a:t>변화 관계</a:t>
+            </a:r>
+            <a:r>
+              <a:rPr lang="en-US" altLang="ko-KR" dirty="0" smtClean="0">
+                <a:latin typeface="나눔바른고딕" pitchFamily="50" charset="-127"/>
+                <a:ea typeface="나눔바른고딕" pitchFamily="50" charset="-127"/>
+              </a:rPr>
+              <a:t>: </a:t>
+            </a:r>
+            <a:r>
+              <a:rPr lang="ko-KR" altLang="en-US" dirty="0" smtClean="0">
+                <a:latin typeface="나눔바른고딕" pitchFamily="50" charset="-127"/>
+                <a:ea typeface="나눔바른고딕" pitchFamily="50" charset="-127"/>
+              </a:rPr>
+              <a:t>한 점에서의 </a:t>
+            </a:r>
+            <a:endParaRPr lang="en-US" altLang="ko-KR" dirty="0" smtClean="0">
+              <a:latin typeface="나눔바른고딕" pitchFamily="50" charset="-127"/>
+              <a:ea typeface="나눔바른고딕" pitchFamily="50" charset="-127"/>
+            </a:endParaRPr>
+          </a:p>
+          <a:p>
+            <a:pPr algn="ctr"/>
+            <a:r>
+              <a:rPr lang="ko-KR" altLang="en-US" dirty="0" smtClean="0">
+                <a:latin typeface="나눔바른고딕" pitchFamily="50" charset="-127"/>
+                <a:ea typeface="나눔바른고딕" pitchFamily="50" charset="-127"/>
+              </a:rPr>
+              <a:t>기울기로 표현 가능</a:t>
+            </a:r>
+            <a:endParaRPr lang="ko-KR" altLang="en-US" dirty="0">
+              <a:latin typeface="나눔바른고딕" pitchFamily="50" charset="-127"/>
+              <a:ea typeface="나눔바른고딕" pitchFamily="50" charset="-127"/>
+            </a:endParaRPr>
+          </a:p>
+        </p:txBody>
+      </p:sp>
+      <mc:AlternateContent xmlns:mc="http://schemas.openxmlformats.org/markup-compatibility/2006">
+        <mc:Choice xmlns:a14="http://schemas.microsoft.com/office/drawing/2010/main" Requires="a14">
+          <p:sp>
+            <p:nvSpPr>
+              <p:cNvPr id="29" name="TextBox 28"/>
+              <p:cNvSpPr txBox="1"/>
+              <p:nvPr/>
+            </p:nvSpPr>
+            <p:spPr>
+              <a:xfrm>
+                <a:off x="4967653" y="1340768"/>
+                <a:ext cx="1692579" cy="523220"/>
+              </a:xfrm>
+              <a:prstGeom prst="rect">
+                <a:avLst/>
+              </a:prstGeom>
+              <a:noFill/>
+            </p:spPr>
+            <p:txBody>
+              <a:bodyPr wrap="none" rtlCol="0">
+                <a:spAutoFit/>
+              </a:bodyPr>
+              <a:lstStyle/>
+              <a:p>
+                <a14:m>
+                  <m:oMathPara xmlns:m="http://schemas.openxmlformats.org/officeDocument/2006/math">
+                    <m:oMathParaPr>
+                      <m:jc m:val="centerGroup"/>
+                    </m:oMathParaPr>
+                    <m:oMath xmlns:m="http://schemas.openxmlformats.org/officeDocument/2006/math">
+                      <m:r>
+                        <a:rPr lang="en-US" altLang="ko-KR" sz="2800" b="0" i="1" smtClean="0">
+                          <a:latin typeface="Cambria Math"/>
+                        </a:rPr>
+                        <m:t>𝑦</m:t>
+                      </m:r>
+                      <m:r>
+                        <a:rPr lang="en-US" altLang="ko-KR" sz="2800" b="0" i="1" smtClean="0">
+                          <a:latin typeface="Cambria Math"/>
+                        </a:rPr>
+                        <m:t>=</m:t>
+                      </m:r>
+                      <m:r>
+                        <a:rPr lang="en-US" altLang="ko-KR" sz="2800" b="0" i="1" smtClean="0">
+                          <a:latin typeface="Cambria Math"/>
+                        </a:rPr>
+                        <m:t>𝑓</m:t>
+                      </m:r>
+                      <m:r>
+                        <a:rPr lang="en-US" altLang="ko-KR" sz="2800" b="0" i="1" smtClean="0">
+                          <a:latin typeface="Cambria Math"/>
+                        </a:rPr>
+                        <m:t>(</m:t>
+                      </m:r>
+                      <m:r>
+                        <a:rPr lang="en-US" altLang="ko-KR" sz="2800" b="0" i="1" smtClean="0">
+                          <a:latin typeface="Cambria Math"/>
+                        </a:rPr>
+                        <m:t>𝑥</m:t>
+                      </m:r>
+                      <m:r>
+                        <a:rPr lang="en-US" altLang="ko-KR" sz="2800" b="0" i="1" smtClean="0">
+                          <a:latin typeface="Cambria Math"/>
+                        </a:rPr>
+                        <m:t>)</m:t>
+                      </m:r>
+                    </m:oMath>
+                  </m:oMathPara>
+                </a14:m>
+                <a:endParaRPr lang="ko-KR" altLang="en-US" sz="2800" dirty="0"/>
+              </a:p>
+            </p:txBody>
+          </p:sp>
+        </mc:Choice>
+        <mc:Fallback>
+          <p:sp>
+            <p:nvSpPr>
+              <p:cNvPr id="29" name="TextBox 28"/>
+              <p:cNvSpPr txBox="1">
+                <a:spLocks noRot="1" noChangeAspect="1" noMove="1" noResize="1" noEditPoints="1" noAdjustHandles="1" noChangeArrowheads="1" noChangeShapeType="1" noTextEdit="1"/>
+              </p:cNvSpPr>
+              <p:nvPr/>
+            </p:nvSpPr>
+            <p:spPr>
+              <a:xfrm>
+                <a:off x="4967653" y="1340768"/>
+                <a:ext cx="1692579" cy="523220"/>
+              </a:xfrm>
+              <a:prstGeom prst="rect">
+                <a:avLst/>
+              </a:prstGeom>
+              <a:blipFill rotWithShape="1">
+                <a:blip r:embed="rId8"/>
+                <a:stretch>
+                  <a:fillRect/>
+                </a:stretch>
+              </a:blipFill>
+            </p:spPr>
+            <p:txBody>
+              <a:bodyPr/>
+              <a:lstStyle/>
+              <a:p>
+                <a:r>
+                  <a:rPr lang="ko-KR" altLang="en-US">
+                    <a:noFill/>
+                  </a:rPr>
+                  <a:t> </a:t>
+                </a:r>
+              </a:p>
+            </p:txBody>
+          </p:sp>
+        </mc:Fallback>
+      </mc:AlternateContent>
+      <mc:AlternateContent xmlns:mc="http://schemas.openxmlformats.org/markup-compatibility/2006">
+        <mc:Choice xmlns:a14="http://schemas.microsoft.com/office/drawing/2010/main" Requires="a14">
+          <p:sp>
+            <p:nvSpPr>
+              <p:cNvPr id="30" name="TextBox 29"/>
+              <p:cNvSpPr txBox="1"/>
+              <p:nvPr/>
+            </p:nvSpPr>
+            <p:spPr>
+              <a:xfrm>
+                <a:off x="4205816" y="3092829"/>
+                <a:ext cx="726224" cy="910377"/>
+              </a:xfrm>
+              <a:prstGeom prst="rect">
+                <a:avLst/>
+              </a:prstGeom>
+              <a:noFill/>
+            </p:spPr>
+            <p:txBody>
+              <a:bodyPr wrap="none" rtlCol="0">
+                <a:spAutoFit/>
+              </a:bodyPr>
+              <a:lstStyle/>
+              <a:p>
+                <a14:m>
+                  <m:oMathPara xmlns:m="http://schemas.openxmlformats.org/officeDocument/2006/math">
+                    <m:oMathParaPr>
+                      <m:jc m:val="centerGroup"/>
+                    </m:oMathParaPr>
+                    <m:oMath xmlns:m="http://schemas.openxmlformats.org/officeDocument/2006/math">
+                      <m:f>
+                        <m:fPr>
+                          <m:ctrlPr>
+                            <a:rPr lang="en-US" altLang="ko-KR" sz="2800" b="0" i="1" smtClean="0">
+                              <a:solidFill>
+                                <a:schemeClr val="accent6"/>
+                              </a:solidFill>
+                              <a:latin typeface="Cambria Math"/>
+                            </a:rPr>
+                          </m:ctrlPr>
+                        </m:fPr>
+                        <m:num>
+                          <m:r>
+                            <a:rPr lang="en-US" altLang="ko-KR" sz="2800" b="0" i="1" smtClean="0">
+                              <a:solidFill>
+                                <a:schemeClr val="accent6"/>
+                              </a:solidFill>
+                              <a:latin typeface="Cambria Math"/>
+                            </a:rPr>
+                            <m:t>𝑑𝑦</m:t>
+                          </m:r>
+                        </m:num>
+                        <m:den>
+                          <m:r>
+                            <a:rPr lang="en-US" altLang="ko-KR" sz="2800" b="0" i="1" smtClean="0">
+                              <a:solidFill>
+                                <a:schemeClr val="accent6"/>
+                              </a:solidFill>
+                              <a:latin typeface="Cambria Math"/>
+                            </a:rPr>
+                            <m:t>𝑑𝑥</m:t>
+                          </m:r>
+                        </m:den>
+                      </m:f>
+                    </m:oMath>
+                  </m:oMathPara>
+                </a14:m>
+                <a:endParaRPr lang="ko-KR" altLang="en-US" sz="2800" dirty="0">
+                  <a:solidFill>
+                    <a:schemeClr val="accent6"/>
+                  </a:solidFill>
+                </a:endParaRPr>
+              </a:p>
+            </p:txBody>
+          </p:sp>
+        </mc:Choice>
+        <mc:Fallback>
+          <p:sp>
+            <p:nvSpPr>
+              <p:cNvPr id="30" name="TextBox 29"/>
+              <p:cNvSpPr txBox="1">
+                <a:spLocks noRot="1" noChangeAspect="1" noMove="1" noResize="1" noEditPoints="1" noAdjustHandles="1" noChangeArrowheads="1" noChangeShapeType="1" noTextEdit="1"/>
+              </p:cNvSpPr>
+              <p:nvPr/>
+            </p:nvSpPr>
+            <p:spPr>
+              <a:xfrm>
+                <a:off x="4205816" y="3092829"/>
+                <a:ext cx="726224" cy="910377"/>
+              </a:xfrm>
+              <a:prstGeom prst="rect">
+                <a:avLst/>
+              </a:prstGeom>
+              <a:blipFill rotWithShape="1">
+                <a:blip r:embed="rId9"/>
+                <a:stretch>
+                  <a:fillRect/>
+                </a:stretch>
+              </a:blipFill>
+            </p:spPr>
+            <p:txBody>
+              <a:bodyPr/>
+              <a:lstStyle/>
+              <a:p>
+                <a:r>
+                  <a:rPr lang="ko-KR" altLang="en-US">
+                    <a:noFill/>
+                  </a:rPr>
+                  <a:t> </a:t>
+                </a:r>
+              </a:p>
+            </p:txBody>
+          </p:sp>
+        </mc:Fallback>
+      </mc:AlternateContent>
+    </p:spTree>
+    <p:extLst>
+      <p:ext uri="{BB962C8B-B14F-4D97-AF65-F5344CB8AC3E}">
+        <p14:creationId xmlns:p14="http://schemas.microsoft.com/office/powerpoint/2010/main" val="1133955506"/>
+      </p:ext>
+    </p:extLst>
+  </p:cSld>
+  <p:clrMapOvr>
+    <a:masterClrMapping/>
+  </p:clrMapOvr>
+</p:sld>
+</file>
+
 <file path=ppt/theme/theme1.xml><?xml version="1.0" encoding="utf-8"?>
 <a:theme xmlns:a="http://schemas.openxmlformats.org/drawingml/2006/main" name="Office 테마">
   <a:themeElements>

--- a/pics/2021-04-29-Euler_method/pics.pptx
+++ b/pics/2021-04-29-Euler_method/pics.pptx
@@ -110,6 +110,22 @@
       </a:defRPr>
     </a:lvl9pPr>
   </p:defaultTextStyle>
+  <p:extLst>
+    <p:ext uri="{EFAFB233-063F-42B5-8137-9DF3F51BA10A}">
+      <p15:sldGuideLst xmlns:p15="http://schemas.microsoft.com/office/powerpoint/2012/main">
+        <p15:guide id="1" orient="horz" pos="2160">
+          <p15:clr>
+            <a:srgbClr val="A4A3A4"/>
+          </p15:clr>
+        </p15:guide>
+        <p15:guide id="2" pos="2880">
+          <p15:clr>
+            <a:srgbClr val="A4A3A4"/>
+          </p15:clr>
+        </p15:guide>
+      </p15:sldGuideLst>
+    </p:ext>
+  </p:extLst>
 </p:presentation>
 </file>
 
@@ -151,10 +167,9 @@
           <a:lstStyle/>
           <a:p>
             <a:r>
-              <a:rPr lang="ko-KR" altLang="en-US" smtClean="0"/>
+              <a:rPr lang="ko-KR" altLang="en-US"/>
               <a:t>마스터 제목 스타일 편집</a:t>
             </a:r>
-            <a:endParaRPr lang="ko-KR" altLang="en-US"/>
           </a:p>
         </p:txBody>
       </p:sp>
@@ -270,10 +285,9 @@
           </a:lstStyle>
           <a:p>
             <a:r>
-              <a:rPr lang="ko-KR" altLang="en-US" smtClean="0"/>
+              <a:rPr lang="ko-KR" altLang="en-US"/>
               <a:t>마스터 부제목 스타일 편집</a:t>
             </a:r>
-            <a:endParaRPr lang="ko-KR" altLang="en-US"/>
           </a:p>
         </p:txBody>
       </p:sp>
@@ -294,7 +308,7 @@
           <a:p>
             <a:fld id="{FB30EDBD-1C2D-4C1E-B459-B60219FAB484}" type="datetimeFigureOut">
               <a:rPr lang="ko-KR" altLang="en-US" smtClean="0"/>
-              <a:t>2021-04-28</a:t>
+              <a:t>2021-05-29</a:t>
             </a:fld>
             <a:endParaRPr lang="ko-KR" altLang="en-US"/>
           </a:p>
@@ -383,10 +397,9 @@
           <a:lstStyle/>
           <a:p>
             <a:r>
-              <a:rPr lang="ko-KR" altLang="en-US" smtClean="0"/>
+              <a:rPr lang="ko-KR" altLang="en-US"/>
               <a:t>마스터 제목 스타일 편집</a:t>
             </a:r>
-            <a:endParaRPr lang="ko-KR" altLang="en-US"/>
           </a:p>
         </p:txBody>
       </p:sp>
@@ -407,38 +420,37 @@
           <a:p>
             <a:pPr lvl="0"/>
             <a:r>
-              <a:rPr lang="ko-KR" altLang="en-US" smtClean="0"/>
+              <a:rPr lang="ko-KR" altLang="en-US"/>
               <a:t>마스터 텍스트 스타일을 편집합니다</a:t>
             </a:r>
           </a:p>
           <a:p>
             <a:pPr lvl="1"/>
             <a:r>
-              <a:rPr lang="ko-KR" altLang="en-US" smtClean="0"/>
+              <a:rPr lang="ko-KR" altLang="en-US"/>
               <a:t>둘째 수준</a:t>
             </a:r>
           </a:p>
           <a:p>
             <a:pPr lvl="2"/>
             <a:r>
-              <a:rPr lang="ko-KR" altLang="en-US" smtClean="0"/>
+              <a:rPr lang="ko-KR" altLang="en-US"/>
               <a:t>셋째 수준</a:t>
             </a:r>
           </a:p>
           <a:p>
             <a:pPr lvl="3"/>
             <a:r>
-              <a:rPr lang="ko-KR" altLang="en-US" smtClean="0"/>
+              <a:rPr lang="ko-KR" altLang="en-US"/>
               <a:t>넷째 수준</a:t>
             </a:r>
           </a:p>
           <a:p>
             <a:pPr lvl="4"/>
             <a:r>
-              <a:rPr lang="ko-KR" altLang="en-US" smtClean="0"/>
+              <a:rPr lang="ko-KR" altLang="en-US"/>
               <a:t>다섯째 수준</a:t>
             </a:r>
-            <a:endParaRPr lang="ko-KR" altLang="en-US"/>
           </a:p>
         </p:txBody>
       </p:sp>
@@ -459,7 +471,7 @@
           <a:p>
             <a:fld id="{FB30EDBD-1C2D-4C1E-B459-B60219FAB484}" type="datetimeFigureOut">
               <a:rPr lang="ko-KR" altLang="en-US" smtClean="0"/>
-              <a:t>2021-04-28</a:t>
+              <a:t>2021-05-29</a:t>
             </a:fld>
             <a:endParaRPr lang="ko-KR" altLang="en-US"/>
           </a:p>
@@ -553,10 +565,9 @@
           <a:lstStyle/>
           <a:p>
             <a:r>
-              <a:rPr lang="ko-KR" altLang="en-US" smtClean="0"/>
+              <a:rPr lang="ko-KR" altLang="en-US"/>
               <a:t>마스터 제목 스타일 편집</a:t>
             </a:r>
-            <a:endParaRPr lang="ko-KR" altLang="en-US"/>
           </a:p>
         </p:txBody>
       </p:sp>
@@ -582,38 +593,37 @@
           <a:p>
             <a:pPr lvl="0"/>
             <a:r>
-              <a:rPr lang="ko-KR" altLang="en-US" smtClean="0"/>
+              <a:rPr lang="ko-KR" altLang="en-US"/>
               <a:t>마스터 텍스트 스타일을 편집합니다</a:t>
             </a:r>
           </a:p>
           <a:p>
             <a:pPr lvl="1"/>
             <a:r>
-              <a:rPr lang="ko-KR" altLang="en-US" smtClean="0"/>
+              <a:rPr lang="ko-KR" altLang="en-US"/>
               <a:t>둘째 수준</a:t>
             </a:r>
           </a:p>
           <a:p>
             <a:pPr lvl="2"/>
             <a:r>
-              <a:rPr lang="ko-KR" altLang="en-US" smtClean="0"/>
+              <a:rPr lang="ko-KR" altLang="en-US"/>
               <a:t>셋째 수준</a:t>
             </a:r>
           </a:p>
           <a:p>
             <a:pPr lvl="3"/>
             <a:r>
-              <a:rPr lang="ko-KR" altLang="en-US" smtClean="0"/>
+              <a:rPr lang="ko-KR" altLang="en-US"/>
               <a:t>넷째 수준</a:t>
             </a:r>
           </a:p>
           <a:p>
             <a:pPr lvl="4"/>
             <a:r>
-              <a:rPr lang="ko-KR" altLang="en-US" smtClean="0"/>
+              <a:rPr lang="ko-KR" altLang="en-US"/>
               <a:t>다섯째 수준</a:t>
             </a:r>
-            <a:endParaRPr lang="ko-KR" altLang="en-US"/>
           </a:p>
         </p:txBody>
       </p:sp>
@@ -634,7 +644,7 @@
           <a:p>
             <a:fld id="{FB30EDBD-1C2D-4C1E-B459-B60219FAB484}" type="datetimeFigureOut">
               <a:rPr lang="ko-KR" altLang="en-US" smtClean="0"/>
-              <a:t>2021-04-28</a:t>
+              <a:t>2021-05-29</a:t>
             </a:fld>
             <a:endParaRPr lang="ko-KR" altLang="en-US"/>
           </a:p>
@@ -723,10 +733,9 @@
           <a:lstStyle/>
           <a:p>
             <a:r>
-              <a:rPr lang="ko-KR" altLang="en-US" smtClean="0"/>
+              <a:rPr lang="ko-KR" altLang="en-US"/>
               <a:t>마스터 제목 스타일 편집</a:t>
             </a:r>
-            <a:endParaRPr lang="ko-KR" altLang="en-US"/>
           </a:p>
         </p:txBody>
       </p:sp>
@@ -747,38 +756,37 @@
           <a:p>
             <a:pPr lvl="0"/>
             <a:r>
-              <a:rPr lang="ko-KR" altLang="en-US" smtClean="0"/>
+              <a:rPr lang="ko-KR" altLang="en-US"/>
               <a:t>마스터 텍스트 스타일을 편집합니다</a:t>
             </a:r>
           </a:p>
           <a:p>
             <a:pPr lvl="1"/>
             <a:r>
-              <a:rPr lang="ko-KR" altLang="en-US" smtClean="0"/>
+              <a:rPr lang="ko-KR" altLang="en-US"/>
               <a:t>둘째 수준</a:t>
             </a:r>
           </a:p>
           <a:p>
             <a:pPr lvl="2"/>
             <a:r>
-              <a:rPr lang="ko-KR" altLang="en-US" smtClean="0"/>
+              <a:rPr lang="ko-KR" altLang="en-US"/>
               <a:t>셋째 수준</a:t>
             </a:r>
           </a:p>
           <a:p>
             <a:pPr lvl="3"/>
             <a:r>
-              <a:rPr lang="ko-KR" altLang="en-US" smtClean="0"/>
+              <a:rPr lang="ko-KR" altLang="en-US"/>
               <a:t>넷째 수준</a:t>
             </a:r>
           </a:p>
           <a:p>
             <a:pPr lvl="4"/>
             <a:r>
-              <a:rPr lang="ko-KR" altLang="en-US" smtClean="0"/>
+              <a:rPr lang="ko-KR" altLang="en-US"/>
               <a:t>다섯째 수준</a:t>
             </a:r>
-            <a:endParaRPr lang="ko-KR" altLang="en-US"/>
           </a:p>
         </p:txBody>
       </p:sp>
@@ -799,7 +807,7 @@
           <a:p>
             <a:fld id="{FB30EDBD-1C2D-4C1E-B459-B60219FAB484}" type="datetimeFigureOut">
               <a:rPr lang="ko-KR" altLang="en-US" smtClean="0"/>
-              <a:t>2021-04-28</a:t>
+              <a:t>2021-05-29</a:t>
             </a:fld>
             <a:endParaRPr lang="ko-KR" altLang="en-US"/>
           </a:p>
@@ -897,10 +905,9 @@
           </a:lstStyle>
           <a:p>
             <a:r>
-              <a:rPr lang="ko-KR" altLang="en-US" smtClean="0"/>
+              <a:rPr lang="ko-KR" altLang="en-US"/>
               <a:t>마스터 제목 스타일 편집</a:t>
             </a:r>
-            <a:endParaRPr lang="ko-KR" altLang="en-US"/>
           </a:p>
         </p:txBody>
       </p:sp>
@@ -1017,7 +1024,7 @@
           <a:p>
             <a:pPr lvl="0"/>
             <a:r>
-              <a:rPr lang="ko-KR" altLang="en-US" smtClean="0"/>
+              <a:rPr lang="ko-KR" altLang="en-US"/>
               <a:t>마스터 텍스트 스타일을 편집합니다</a:t>
             </a:r>
           </a:p>
@@ -1040,7 +1047,7 @@
           <a:p>
             <a:fld id="{FB30EDBD-1C2D-4C1E-B459-B60219FAB484}" type="datetimeFigureOut">
               <a:rPr lang="ko-KR" altLang="en-US" smtClean="0"/>
-              <a:t>2021-04-28</a:t>
+              <a:t>2021-05-29</a:t>
             </a:fld>
             <a:endParaRPr lang="ko-KR" altLang="en-US"/>
           </a:p>
@@ -1129,10 +1136,9 @@
           <a:lstStyle/>
           <a:p>
             <a:r>
-              <a:rPr lang="ko-KR" altLang="en-US" smtClean="0"/>
+              <a:rPr lang="ko-KR" altLang="en-US"/>
               <a:t>마스터 제목 스타일 편집</a:t>
             </a:r>
-            <a:endParaRPr lang="ko-KR" altLang="en-US"/>
           </a:p>
         </p:txBody>
       </p:sp>
@@ -1186,38 +1192,37 @@
           <a:p>
             <a:pPr lvl="0"/>
             <a:r>
-              <a:rPr lang="ko-KR" altLang="en-US" smtClean="0"/>
+              <a:rPr lang="ko-KR" altLang="en-US"/>
               <a:t>마스터 텍스트 스타일을 편집합니다</a:t>
             </a:r>
           </a:p>
           <a:p>
             <a:pPr lvl="1"/>
             <a:r>
-              <a:rPr lang="ko-KR" altLang="en-US" smtClean="0"/>
+              <a:rPr lang="ko-KR" altLang="en-US"/>
               <a:t>둘째 수준</a:t>
             </a:r>
           </a:p>
           <a:p>
             <a:pPr lvl="2"/>
             <a:r>
-              <a:rPr lang="ko-KR" altLang="en-US" smtClean="0"/>
+              <a:rPr lang="ko-KR" altLang="en-US"/>
               <a:t>셋째 수준</a:t>
             </a:r>
           </a:p>
           <a:p>
             <a:pPr lvl="3"/>
             <a:r>
-              <a:rPr lang="ko-KR" altLang="en-US" smtClean="0"/>
+              <a:rPr lang="ko-KR" altLang="en-US"/>
               <a:t>넷째 수준</a:t>
             </a:r>
           </a:p>
           <a:p>
             <a:pPr lvl="4"/>
             <a:r>
-              <a:rPr lang="ko-KR" altLang="en-US" smtClean="0"/>
+              <a:rPr lang="ko-KR" altLang="en-US"/>
               <a:t>다섯째 수준</a:t>
             </a:r>
-            <a:endParaRPr lang="ko-KR" altLang="en-US"/>
           </a:p>
         </p:txBody>
       </p:sp>
@@ -1271,38 +1276,37 @@
           <a:p>
             <a:pPr lvl="0"/>
             <a:r>
-              <a:rPr lang="ko-KR" altLang="en-US" smtClean="0"/>
+              <a:rPr lang="ko-KR" altLang="en-US"/>
               <a:t>마스터 텍스트 스타일을 편집합니다</a:t>
             </a:r>
           </a:p>
           <a:p>
             <a:pPr lvl="1"/>
             <a:r>
-              <a:rPr lang="ko-KR" altLang="en-US" smtClean="0"/>
+              <a:rPr lang="ko-KR" altLang="en-US"/>
               <a:t>둘째 수준</a:t>
             </a:r>
           </a:p>
           <a:p>
             <a:pPr lvl="2"/>
             <a:r>
-              <a:rPr lang="ko-KR" altLang="en-US" smtClean="0"/>
+              <a:rPr lang="ko-KR" altLang="en-US"/>
               <a:t>셋째 수준</a:t>
             </a:r>
           </a:p>
           <a:p>
             <a:pPr lvl="3"/>
             <a:r>
-              <a:rPr lang="ko-KR" altLang="en-US" smtClean="0"/>
+              <a:rPr lang="ko-KR" altLang="en-US"/>
               <a:t>넷째 수준</a:t>
             </a:r>
           </a:p>
           <a:p>
             <a:pPr lvl="4"/>
             <a:r>
-              <a:rPr lang="ko-KR" altLang="en-US" smtClean="0"/>
+              <a:rPr lang="ko-KR" altLang="en-US"/>
               <a:t>다섯째 수준</a:t>
             </a:r>
-            <a:endParaRPr lang="ko-KR" altLang="en-US"/>
           </a:p>
         </p:txBody>
       </p:sp>
@@ -1323,7 +1327,7 @@
           <a:p>
             <a:fld id="{FB30EDBD-1C2D-4C1E-B459-B60219FAB484}" type="datetimeFigureOut">
               <a:rPr lang="ko-KR" altLang="en-US" smtClean="0"/>
-              <a:t>2021-04-28</a:t>
+              <a:t>2021-05-29</a:t>
             </a:fld>
             <a:endParaRPr lang="ko-KR" altLang="en-US"/>
           </a:p>
@@ -1416,10 +1420,9 @@
           </a:lstStyle>
           <a:p>
             <a:r>
-              <a:rPr lang="ko-KR" altLang="en-US" smtClean="0"/>
+              <a:rPr lang="ko-KR" altLang="en-US"/>
               <a:t>마스터 제목 스타일 편집</a:t>
             </a:r>
-            <a:endParaRPr lang="ko-KR" altLang="en-US"/>
           </a:p>
         </p:txBody>
       </p:sp>
@@ -1482,7 +1485,7 @@
           <a:p>
             <a:pPr lvl="0"/>
             <a:r>
-              <a:rPr lang="ko-KR" altLang="en-US" smtClean="0"/>
+              <a:rPr lang="ko-KR" altLang="en-US"/>
               <a:t>마스터 텍스트 스타일을 편집합니다</a:t>
             </a:r>
           </a:p>
@@ -1538,38 +1541,37 @@
           <a:p>
             <a:pPr lvl="0"/>
             <a:r>
-              <a:rPr lang="ko-KR" altLang="en-US" smtClean="0"/>
+              <a:rPr lang="ko-KR" altLang="en-US"/>
               <a:t>마스터 텍스트 스타일을 편집합니다</a:t>
             </a:r>
           </a:p>
           <a:p>
             <a:pPr lvl="1"/>
             <a:r>
-              <a:rPr lang="ko-KR" altLang="en-US" smtClean="0"/>
+              <a:rPr lang="ko-KR" altLang="en-US"/>
               <a:t>둘째 수준</a:t>
             </a:r>
           </a:p>
           <a:p>
             <a:pPr lvl="2"/>
             <a:r>
-              <a:rPr lang="ko-KR" altLang="en-US" smtClean="0"/>
+              <a:rPr lang="ko-KR" altLang="en-US"/>
               <a:t>셋째 수준</a:t>
             </a:r>
           </a:p>
           <a:p>
             <a:pPr lvl="3"/>
             <a:r>
-              <a:rPr lang="ko-KR" altLang="en-US" smtClean="0"/>
+              <a:rPr lang="ko-KR" altLang="en-US"/>
               <a:t>넷째 수준</a:t>
             </a:r>
           </a:p>
           <a:p>
             <a:pPr lvl="4"/>
             <a:r>
-              <a:rPr lang="ko-KR" altLang="en-US" smtClean="0"/>
+              <a:rPr lang="ko-KR" altLang="en-US"/>
               <a:t>다섯째 수준</a:t>
             </a:r>
-            <a:endParaRPr lang="ko-KR" altLang="en-US"/>
           </a:p>
         </p:txBody>
       </p:sp>
@@ -1632,7 +1634,7 @@
           <a:p>
             <a:pPr lvl="0"/>
             <a:r>
-              <a:rPr lang="ko-KR" altLang="en-US" smtClean="0"/>
+              <a:rPr lang="ko-KR" altLang="en-US"/>
               <a:t>마스터 텍스트 스타일을 편집합니다</a:t>
             </a:r>
           </a:p>
@@ -1688,38 +1690,37 @@
           <a:p>
             <a:pPr lvl="0"/>
             <a:r>
-              <a:rPr lang="ko-KR" altLang="en-US" smtClean="0"/>
+              <a:rPr lang="ko-KR" altLang="en-US"/>
               <a:t>마스터 텍스트 스타일을 편집합니다</a:t>
             </a:r>
           </a:p>
           <a:p>
             <a:pPr lvl="1"/>
             <a:r>
-              <a:rPr lang="ko-KR" altLang="en-US" smtClean="0"/>
+              <a:rPr lang="ko-KR" altLang="en-US"/>
               <a:t>둘째 수준</a:t>
             </a:r>
           </a:p>
           <a:p>
             <a:pPr lvl="2"/>
             <a:r>
-              <a:rPr lang="ko-KR" altLang="en-US" smtClean="0"/>
+              <a:rPr lang="ko-KR" altLang="en-US"/>
               <a:t>셋째 수준</a:t>
             </a:r>
           </a:p>
           <a:p>
             <a:pPr lvl="3"/>
             <a:r>
-              <a:rPr lang="ko-KR" altLang="en-US" smtClean="0"/>
+              <a:rPr lang="ko-KR" altLang="en-US"/>
               <a:t>넷째 수준</a:t>
             </a:r>
           </a:p>
           <a:p>
             <a:pPr lvl="4"/>
             <a:r>
-              <a:rPr lang="ko-KR" altLang="en-US" smtClean="0"/>
+              <a:rPr lang="ko-KR" altLang="en-US"/>
               <a:t>다섯째 수준</a:t>
             </a:r>
-            <a:endParaRPr lang="ko-KR" altLang="en-US"/>
           </a:p>
         </p:txBody>
       </p:sp>
@@ -1740,7 +1741,7 @@
           <a:p>
             <a:fld id="{FB30EDBD-1C2D-4C1E-B459-B60219FAB484}" type="datetimeFigureOut">
               <a:rPr lang="ko-KR" altLang="en-US" smtClean="0"/>
-              <a:t>2021-04-28</a:t>
+              <a:t>2021-05-29</a:t>
             </a:fld>
             <a:endParaRPr lang="ko-KR" altLang="en-US"/>
           </a:p>
@@ -1829,10 +1830,9 @@
           <a:lstStyle/>
           <a:p>
             <a:r>
-              <a:rPr lang="ko-KR" altLang="en-US" smtClean="0"/>
+              <a:rPr lang="ko-KR" altLang="en-US"/>
               <a:t>마스터 제목 스타일 편집</a:t>
             </a:r>
-            <a:endParaRPr lang="ko-KR" altLang="en-US"/>
           </a:p>
         </p:txBody>
       </p:sp>
@@ -1853,7 +1853,7 @@
           <a:p>
             <a:fld id="{FB30EDBD-1C2D-4C1E-B459-B60219FAB484}" type="datetimeFigureOut">
               <a:rPr lang="ko-KR" altLang="en-US" smtClean="0"/>
-              <a:t>2021-04-28</a:t>
+              <a:t>2021-05-29</a:t>
             </a:fld>
             <a:endParaRPr lang="ko-KR" altLang="en-US"/>
           </a:p>
@@ -1943,7 +1943,7 @@
           <a:p>
             <a:fld id="{FB30EDBD-1C2D-4C1E-B459-B60219FAB484}" type="datetimeFigureOut">
               <a:rPr lang="ko-KR" altLang="en-US" smtClean="0"/>
-              <a:t>2021-04-28</a:t>
+              <a:t>2021-05-29</a:t>
             </a:fld>
             <a:endParaRPr lang="ko-KR" altLang="en-US"/>
           </a:p>
@@ -2041,10 +2041,9 @@
           </a:lstStyle>
           <a:p>
             <a:r>
-              <a:rPr lang="ko-KR" altLang="en-US" smtClean="0"/>
+              <a:rPr lang="ko-KR" altLang="en-US"/>
               <a:t>마스터 제목 스타일 편집</a:t>
             </a:r>
-            <a:endParaRPr lang="ko-KR" altLang="en-US"/>
           </a:p>
         </p:txBody>
       </p:sp>
@@ -2098,38 +2097,37 @@
           <a:p>
             <a:pPr lvl="0"/>
             <a:r>
-              <a:rPr lang="ko-KR" altLang="en-US" smtClean="0"/>
+              <a:rPr lang="ko-KR" altLang="en-US"/>
               <a:t>마스터 텍스트 스타일을 편집합니다</a:t>
             </a:r>
           </a:p>
           <a:p>
             <a:pPr lvl="1"/>
             <a:r>
-              <a:rPr lang="ko-KR" altLang="en-US" smtClean="0"/>
+              <a:rPr lang="ko-KR" altLang="en-US"/>
               <a:t>둘째 수준</a:t>
             </a:r>
           </a:p>
           <a:p>
             <a:pPr lvl="2"/>
             <a:r>
-              <a:rPr lang="ko-KR" altLang="en-US" smtClean="0"/>
+              <a:rPr lang="ko-KR" altLang="en-US"/>
               <a:t>셋째 수준</a:t>
             </a:r>
           </a:p>
           <a:p>
             <a:pPr lvl="3"/>
             <a:r>
-              <a:rPr lang="ko-KR" altLang="en-US" smtClean="0"/>
+              <a:rPr lang="ko-KR" altLang="en-US"/>
               <a:t>넷째 수준</a:t>
             </a:r>
           </a:p>
           <a:p>
             <a:pPr lvl="4"/>
             <a:r>
-              <a:rPr lang="ko-KR" altLang="en-US" smtClean="0"/>
+              <a:rPr lang="ko-KR" altLang="en-US"/>
               <a:t>다섯째 수준</a:t>
             </a:r>
-            <a:endParaRPr lang="ko-KR" altLang="en-US"/>
           </a:p>
         </p:txBody>
       </p:sp>
@@ -2192,7 +2190,7 @@
           <a:p>
             <a:pPr lvl="0"/>
             <a:r>
-              <a:rPr lang="ko-KR" altLang="en-US" smtClean="0"/>
+              <a:rPr lang="ko-KR" altLang="en-US"/>
               <a:t>마스터 텍스트 스타일을 편집합니다</a:t>
             </a:r>
           </a:p>
@@ -2215,7 +2213,7 @@
           <a:p>
             <a:fld id="{FB30EDBD-1C2D-4C1E-B459-B60219FAB484}" type="datetimeFigureOut">
               <a:rPr lang="ko-KR" altLang="en-US" smtClean="0"/>
-              <a:t>2021-04-28</a:t>
+              <a:t>2021-05-29</a:t>
             </a:fld>
             <a:endParaRPr lang="ko-KR" altLang="en-US"/>
           </a:p>
@@ -2313,10 +2311,9 @@
           </a:lstStyle>
           <a:p>
             <a:r>
-              <a:rPr lang="ko-KR" altLang="en-US" smtClean="0"/>
+              <a:rPr lang="ko-KR" altLang="en-US"/>
               <a:t>마스터 제목 스타일 편집</a:t>
             </a:r>
-            <a:endParaRPr lang="ko-KR" altLang="en-US"/>
           </a:p>
         </p:txBody>
       </p:sp>
@@ -2440,7 +2437,7 @@
           <a:p>
             <a:pPr lvl="0"/>
             <a:r>
-              <a:rPr lang="ko-KR" altLang="en-US" smtClean="0"/>
+              <a:rPr lang="ko-KR" altLang="en-US"/>
               <a:t>마스터 텍스트 스타일을 편집합니다</a:t>
             </a:r>
           </a:p>
@@ -2463,7 +2460,7 @@
           <a:p>
             <a:fld id="{FB30EDBD-1C2D-4C1E-B459-B60219FAB484}" type="datetimeFigureOut">
               <a:rPr lang="ko-KR" altLang="en-US" smtClean="0"/>
-              <a:t>2021-04-28</a:t>
+              <a:t>2021-05-29</a:t>
             </a:fld>
             <a:endParaRPr lang="ko-KR" altLang="en-US"/>
           </a:p>
@@ -2567,10 +2564,9 @@
           <a:lstStyle/>
           <a:p>
             <a:r>
-              <a:rPr lang="ko-KR" altLang="en-US" smtClean="0"/>
+              <a:rPr lang="ko-KR" altLang="en-US"/>
               <a:t>마스터 제목 스타일 편집</a:t>
             </a:r>
-            <a:endParaRPr lang="ko-KR" altLang="en-US"/>
           </a:p>
         </p:txBody>
       </p:sp>
@@ -2601,38 +2597,37 @@
           <a:p>
             <a:pPr lvl="0"/>
             <a:r>
-              <a:rPr lang="ko-KR" altLang="en-US" smtClean="0"/>
+              <a:rPr lang="ko-KR" altLang="en-US"/>
               <a:t>마스터 텍스트 스타일을 편집합니다</a:t>
             </a:r>
           </a:p>
           <a:p>
             <a:pPr lvl="1"/>
             <a:r>
-              <a:rPr lang="ko-KR" altLang="en-US" smtClean="0"/>
+              <a:rPr lang="ko-KR" altLang="en-US"/>
               <a:t>둘째 수준</a:t>
             </a:r>
           </a:p>
           <a:p>
             <a:pPr lvl="2"/>
             <a:r>
-              <a:rPr lang="ko-KR" altLang="en-US" smtClean="0"/>
+              <a:rPr lang="ko-KR" altLang="en-US"/>
               <a:t>셋째 수준</a:t>
             </a:r>
           </a:p>
           <a:p>
             <a:pPr lvl="3"/>
             <a:r>
-              <a:rPr lang="ko-KR" altLang="en-US" smtClean="0"/>
+              <a:rPr lang="ko-KR" altLang="en-US"/>
               <a:t>넷째 수준</a:t>
             </a:r>
           </a:p>
           <a:p>
             <a:pPr lvl="4"/>
             <a:r>
-              <a:rPr lang="ko-KR" altLang="en-US" smtClean="0"/>
+              <a:rPr lang="ko-KR" altLang="en-US"/>
               <a:t>다섯째 수준</a:t>
             </a:r>
-            <a:endParaRPr lang="ko-KR" altLang="en-US"/>
           </a:p>
         </p:txBody>
       </p:sp>
@@ -2671,7 +2666,7 @@
           <a:p>
             <a:fld id="{FB30EDBD-1C2D-4C1E-B459-B60219FAB484}" type="datetimeFigureOut">
               <a:rPr lang="ko-KR" altLang="en-US" smtClean="0"/>
-              <a:t>2021-04-28</a:t>
+              <a:t>2021-05-29</a:t>
             </a:fld>
             <a:endParaRPr lang="ko-KR" altLang="en-US"/>
           </a:p>
@@ -4046,8 +4041,8 @@
           </a:p>
         </p:txBody>
       </p:sp>
-      <mc:AlternateContent xmlns:mc="http://schemas.openxmlformats.org/markup-compatibility/2006">
-        <mc:Choice xmlns:a14="http://schemas.microsoft.com/office/drawing/2010/main" Requires="a14">
+      <mc:AlternateContent xmlns:mc="http://schemas.openxmlformats.org/markup-compatibility/2006" xmlns:a14="http://schemas.microsoft.com/office/drawing/2010/main">
+        <mc:Choice Requires="a14">
           <p:sp>
             <p:nvSpPr>
               <p:cNvPr id="21" name="TextBox 20"/>
@@ -4070,6 +4065,7 @@
               </a:bodyPr>
               <a:lstStyle/>
               <a:p>
+                <a:pPr/>
                 <a14:m>
                   <m:oMathPara xmlns:m="http://schemas.openxmlformats.org/officeDocument/2006/math">
                     <m:oMathParaPr>
@@ -4090,7 +4086,7 @@
             </p:txBody>
           </p:sp>
         </mc:Choice>
-        <mc:Fallback>
+        <mc:Fallback xmlns="">
           <p:sp>
             <p:nvSpPr>
               <p:cNvPr id="21" name="TextBox 20"/>
@@ -4129,8 +4125,8 @@
           </p:sp>
         </mc:Fallback>
       </mc:AlternateContent>
-      <mc:AlternateContent xmlns:mc="http://schemas.openxmlformats.org/markup-compatibility/2006">
-        <mc:Choice xmlns:a14="http://schemas.microsoft.com/office/drawing/2010/main" Requires="a14">
+      <mc:AlternateContent xmlns:mc="http://schemas.openxmlformats.org/markup-compatibility/2006" xmlns:a14="http://schemas.microsoft.com/office/drawing/2010/main">
+        <mc:Choice Requires="a14">
           <p:sp>
             <p:nvSpPr>
               <p:cNvPr id="22" name="TextBox 21"/>
@@ -4153,6 +4149,7 @@
               </a:bodyPr>
               <a:lstStyle/>
               <a:p>
+                <a:pPr/>
                 <a14:m>
                   <m:oMathPara xmlns:m="http://schemas.openxmlformats.org/officeDocument/2006/math">
                     <m:oMathParaPr>
@@ -4173,7 +4170,7 @@
             </p:txBody>
           </p:sp>
         </mc:Choice>
-        <mc:Fallback>
+        <mc:Fallback xmlns="">
           <p:sp>
             <p:nvSpPr>
               <p:cNvPr id="22" name="TextBox 21"/>
@@ -4212,8 +4209,8 @@
           </p:sp>
         </mc:Fallback>
       </mc:AlternateContent>
-      <mc:AlternateContent xmlns:mc="http://schemas.openxmlformats.org/markup-compatibility/2006">
-        <mc:Choice xmlns:a14="http://schemas.microsoft.com/office/drawing/2010/main" Requires="a14">
+      <mc:AlternateContent xmlns:mc="http://schemas.openxmlformats.org/markup-compatibility/2006" xmlns:a14="http://schemas.microsoft.com/office/drawing/2010/main">
+        <mc:Choice Requires="a14">
           <p:sp>
             <p:nvSpPr>
               <p:cNvPr id="23" name="TextBox 22"/>
@@ -4236,6 +4233,7 @@
               </a:bodyPr>
               <a:lstStyle/>
               <a:p>
+                <a:pPr/>
                 <a14:m>
                   <m:oMathPara xmlns:m="http://schemas.openxmlformats.org/officeDocument/2006/math">
                     <m:oMathParaPr>
@@ -4256,7 +4254,7 @@
             </p:txBody>
           </p:sp>
         </mc:Choice>
-        <mc:Fallback>
+        <mc:Fallback xmlns="">
           <p:sp>
             <p:nvSpPr>
               <p:cNvPr id="23" name="TextBox 22"/>
@@ -4295,8 +4293,8 @@
           </p:sp>
         </mc:Fallback>
       </mc:AlternateContent>
-      <mc:AlternateContent xmlns:mc="http://schemas.openxmlformats.org/markup-compatibility/2006">
-        <mc:Choice xmlns:a14="http://schemas.microsoft.com/office/drawing/2010/main" Requires="a14">
+      <mc:AlternateContent xmlns:mc="http://schemas.openxmlformats.org/markup-compatibility/2006" xmlns:a14="http://schemas.microsoft.com/office/drawing/2010/main">
+        <mc:Choice Requires="a14">
           <p:sp>
             <p:nvSpPr>
               <p:cNvPr id="24" name="TextBox 23"/>
@@ -4319,6 +4317,7 @@
               </a:bodyPr>
               <a:lstStyle/>
               <a:p>
+                <a:pPr/>
                 <a14:m>
                   <m:oMathPara xmlns:m="http://schemas.openxmlformats.org/officeDocument/2006/math">
                     <m:oMathParaPr>
@@ -4329,7 +4328,7 @@
                         <m:sSubPr>
                           <m:ctrlPr>
                             <a:rPr lang="en-US" altLang="ko-KR" b="0" i="1" smtClean="0">
-                              <a:latin typeface="Cambria Math"/>
+                              <a:latin typeface="Cambria Math" panose="02040503050406030204" pitchFamily="18" charset="0"/>
                             </a:rPr>
                           </m:ctrlPr>
                         </m:sSubPr>
@@ -4358,7 +4357,7 @@
             </p:txBody>
           </p:sp>
         </mc:Choice>
-        <mc:Fallback>
+        <mc:Fallback xmlns="">
           <p:sp>
             <p:nvSpPr>
               <p:cNvPr id="24" name="TextBox 23"/>
@@ -4397,8 +4396,8 @@
           </p:sp>
         </mc:Fallback>
       </mc:AlternateContent>
-      <mc:AlternateContent xmlns:mc="http://schemas.openxmlformats.org/markup-compatibility/2006">
-        <mc:Choice xmlns:a14="http://schemas.microsoft.com/office/drawing/2010/main" Requires="a14">
+      <mc:AlternateContent xmlns:mc="http://schemas.openxmlformats.org/markup-compatibility/2006" xmlns:a14="http://schemas.microsoft.com/office/drawing/2010/main">
+        <mc:Choice Requires="a14">
           <p:sp>
             <p:nvSpPr>
               <p:cNvPr id="25" name="TextBox 24"/>
@@ -4421,6 +4420,7 @@
               </a:bodyPr>
               <a:lstStyle/>
               <a:p>
+                <a:pPr/>
                 <a14:m>
                   <m:oMathPara xmlns:m="http://schemas.openxmlformats.org/officeDocument/2006/math">
                     <m:oMathParaPr>
@@ -4431,7 +4431,7 @@
                         <m:sSubPr>
                           <m:ctrlPr>
                             <a:rPr lang="en-US" altLang="ko-KR" b="0" i="1" smtClean="0">
-                              <a:latin typeface="Cambria Math"/>
+                              <a:latin typeface="Cambria Math" panose="02040503050406030204" pitchFamily="18" charset="0"/>
                             </a:rPr>
                           </m:ctrlPr>
                         </m:sSubPr>
@@ -4472,7 +4472,7 @@
             </p:txBody>
           </p:sp>
         </mc:Choice>
-        <mc:Fallback>
+        <mc:Fallback xmlns="">
           <p:sp>
             <p:nvSpPr>
               <p:cNvPr id="25" name="TextBox 24"/>
@@ -4511,8 +4511,8 @@
           </p:sp>
         </mc:Fallback>
       </mc:AlternateContent>
-      <mc:AlternateContent xmlns:mc="http://schemas.openxmlformats.org/markup-compatibility/2006">
-        <mc:Choice xmlns:a14="http://schemas.microsoft.com/office/drawing/2010/main" Requires="a14">
+      <mc:AlternateContent xmlns:mc="http://schemas.openxmlformats.org/markup-compatibility/2006" xmlns:a14="http://schemas.microsoft.com/office/drawing/2010/main">
+        <mc:Choice Requires="a14">
           <p:sp>
             <p:nvSpPr>
               <p:cNvPr id="26" name="TextBox 25"/>
@@ -4535,6 +4535,7 @@
               </a:bodyPr>
               <a:lstStyle/>
               <a:p>
+                <a:pPr/>
                 <a14:m>
                   <m:oMathPara xmlns:m="http://schemas.openxmlformats.org/officeDocument/2006/math">
                     <m:oMathParaPr>
@@ -4545,7 +4546,7 @@
                         <m:sSubPr>
                           <m:ctrlPr>
                             <a:rPr lang="en-US" altLang="ko-KR" b="0" i="1" smtClean="0">
-                              <a:latin typeface="Cambria Math"/>
+                              <a:latin typeface="Cambria Math" panose="02040503050406030204" pitchFamily="18" charset="0"/>
                             </a:rPr>
                           </m:ctrlPr>
                         </m:sSubPr>
@@ -4586,7 +4587,7 @@
             </p:txBody>
           </p:sp>
         </mc:Choice>
-        <mc:Fallback>
+        <mc:Fallback xmlns="">
           <p:sp>
             <p:nvSpPr>
               <p:cNvPr id="26" name="TextBox 25"/>
@@ -4633,8 +4634,8 @@
         </p:nvSpPr>
         <p:spPr>
           <a:xfrm>
-            <a:off x="1083884" y="1768540"/>
-            <a:ext cx="3357086" cy="1021556"/>
+            <a:off x="1057176" y="1768540"/>
+            <a:ext cx="3410503" cy="953453"/>
           </a:xfrm>
           <a:prstGeom prst="roundRect">
             <a:avLst/>
@@ -4656,14 +4657,14 @@
           <a:p>
             <a:pPr algn="ctr"/>
             <a:r>
-              <a:rPr lang="ko-KR" altLang="en-US" dirty="0" smtClean="0">
+              <a:rPr lang="ko-KR" altLang="en-US" sz="1600" dirty="0">
                 <a:latin typeface="나눔바른고딕" pitchFamily="50" charset="-127"/>
                 <a:ea typeface="나눔바른고딕" pitchFamily="50" charset="-127"/>
               </a:rPr>
               <a:t>미분방정식</a:t>
             </a:r>
             <a:r>
-              <a:rPr lang="en-US" altLang="ko-KR" dirty="0" smtClean="0">
+              <a:rPr lang="en-US" altLang="ko-KR" sz="1600" dirty="0">
                 <a:latin typeface="나눔바른고딕" pitchFamily="50" charset="-127"/>
                 <a:ea typeface="나눔바른고딕" pitchFamily="50" charset="-127"/>
               </a:rPr>
@@ -4673,13 +4674,13 @@
           <a:p>
             <a:pPr algn="ctr"/>
             <a:r>
-              <a:rPr lang="ko-KR" altLang="en-US" dirty="0" smtClean="0">
+              <a:rPr lang="ko-KR" altLang="en-US" sz="1600" dirty="0">
                 <a:latin typeface="나눔바른고딕" pitchFamily="50" charset="-127"/>
                 <a:ea typeface="나눔바른고딕" pitchFamily="50" charset="-127"/>
               </a:rPr>
               <a:t>모든 점에서 바로 다음 포인트와의</a:t>
             </a:r>
-            <a:endParaRPr lang="en-US" altLang="ko-KR" dirty="0" smtClean="0">
+            <a:endParaRPr lang="en-US" altLang="ko-KR" sz="1600" dirty="0">
               <a:latin typeface="나눔바른고딕" pitchFamily="50" charset="-127"/>
               <a:ea typeface="나눔바른고딕" pitchFamily="50" charset="-127"/>
             </a:endParaRPr>
@@ -4687,16 +4688,12 @@
           <a:p>
             <a:pPr algn="ctr"/>
             <a:r>
-              <a:rPr lang="ko-KR" altLang="en-US" dirty="0" smtClean="0">
+              <a:rPr lang="ko-KR" altLang="en-US" sz="1600" dirty="0">
                 <a:latin typeface="나눔바른고딕" pitchFamily="50" charset="-127"/>
                 <a:ea typeface="나눔바른고딕" pitchFamily="50" charset="-127"/>
               </a:rPr>
               <a:t>변화 관계에 대한 표현</a:t>
             </a:r>
-            <a:endParaRPr lang="ko-KR" altLang="en-US" dirty="0">
-              <a:latin typeface="나눔바른고딕" pitchFamily="50" charset="-127"/>
-              <a:ea typeface="나눔바른고딕" pitchFamily="50" charset="-127"/>
-            </a:endParaRPr>
           </a:p>
         </p:txBody>
       </p:sp>
@@ -4791,8 +4788,8 @@
         </p:nvSpPr>
         <p:spPr>
           <a:xfrm>
-            <a:off x="5004048" y="2988231"/>
-            <a:ext cx="2372328" cy="715089"/>
+            <a:off x="4984967" y="2988231"/>
+            <a:ext cx="2410490" cy="646986"/>
           </a:xfrm>
           <a:prstGeom prst="roundRect">
             <a:avLst/>
@@ -4821,27 +4818,27 @@
           <a:p>
             <a:pPr algn="ctr"/>
             <a:r>
-              <a:rPr lang="ko-KR" altLang="en-US" dirty="0" smtClean="0">
+              <a:rPr lang="ko-KR" altLang="en-US" sz="1600" dirty="0">
                 <a:latin typeface="나눔바른고딕" pitchFamily="50" charset="-127"/>
                 <a:ea typeface="나눔바른고딕" pitchFamily="50" charset="-127"/>
               </a:rPr>
               <a:t>변화 관계</a:t>
             </a:r>
             <a:r>
-              <a:rPr lang="en-US" altLang="ko-KR" dirty="0" smtClean="0">
+              <a:rPr lang="en-US" altLang="ko-KR" sz="1600" dirty="0">
                 <a:latin typeface="나눔바른고딕" pitchFamily="50" charset="-127"/>
                 <a:ea typeface="나눔바른고딕" pitchFamily="50" charset="-127"/>
               </a:rPr>
               <a:t>: </a:t>
             </a:r>
             <a:r>
-              <a:rPr lang="ko-KR" altLang="en-US" dirty="0" smtClean="0">
+              <a:rPr lang="ko-KR" altLang="en-US" sz="1600" dirty="0">
                 <a:latin typeface="나눔바른고딕" pitchFamily="50" charset="-127"/>
                 <a:ea typeface="나눔바른고딕" pitchFamily="50" charset="-127"/>
               </a:rPr>
               <a:t>한 점에서의 </a:t>
             </a:r>
-            <a:endParaRPr lang="en-US" altLang="ko-KR" dirty="0" smtClean="0">
+            <a:endParaRPr lang="en-US" altLang="ko-KR" sz="1600" dirty="0">
               <a:latin typeface="나눔바른고딕" pitchFamily="50" charset="-127"/>
               <a:ea typeface="나눔바른고딕" pitchFamily="50" charset="-127"/>
             </a:endParaRPr>
@@ -4849,21 +4846,17 @@
           <a:p>
             <a:pPr algn="ctr"/>
             <a:r>
-              <a:rPr lang="ko-KR" altLang="en-US" dirty="0" smtClean="0">
+              <a:rPr lang="ko-KR" altLang="en-US" sz="1600" dirty="0">
                 <a:latin typeface="나눔바른고딕" pitchFamily="50" charset="-127"/>
                 <a:ea typeface="나눔바른고딕" pitchFamily="50" charset="-127"/>
               </a:rPr>
               <a:t>기울기로 표현 가능</a:t>
             </a:r>
-            <a:endParaRPr lang="ko-KR" altLang="en-US" dirty="0">
-              <a:latin typeface="나눔바른고딕" pitchFamily="50" charset="-127"/>
-              <a:ea typeface="나눔바른고딕" pitchFamily="50" charset="-127"/>
-            </a:endParaRPr>
-          </a:p>
-        </p:txBody>
-      </p:sp>
-      <mc:AlternateContent xmlns:mc="http://schemas.openxmlformats.org/markup-compatibility/2006">
-        <mc:Choice xmlns:a14="http://schemas.microsoft.com/office/drawing/2010/main" Requires="a14">
+          </a:p>
+        </p:txBody>
+      </p:sp>
+      <mc:AlternateContent xmlns:mc="http://schemas.openxmlformats.org/markup-compatibility/2006" xmlns:a14="http://schemas.microsoft.com/office/drawing/2010/main">
+        <mc:Choice Requires="a14">
           <p:sp>
             <p:nvSpPr>
               <p:cNvPr id="29" name="TextBox 28"/>
@@ -4886,6 +4879,7 @@
               </a:bodyPr>
               <a:lstStyle/>
               <a:p>
+                <a:pPr/>
                 <a14:m>
                   <m:oMathPara xmlns:m="http://schemas.openxmlformats.org/officeDocument/2006/math">
                     <m:oMathParaPr>
@@ -4936,7 +4930,7 @@
             </p:txBody>
           </p:sp>
         </mc:Choice>
-        <mc:Fallback>
+        <mc:Fallback xmlns="">
           <p:sp>
             <p:nvSpPr>
               <p:cNvPr id="29" name="TextBox 28"/>
@@ -4975,8 +4969,8 @@
           </p:sp>
         </mc:Fallback>
       </mc:AlternateContent>
-      <mc:AlternateContent xmlns:mc="http://schemas.openxmlformats.org/markup-compatibility/2006">
-        <mc:Choice xmlns:a14="http://schemas.microsoft.com/office/drawing/2010/main" Requires="a14">
+      <mc:AlternateContent xmlns:mc="http://schemas.openxmlformats.org/markup-compatibility/2006" xmlns:a14="http://schemas.microsoft.com/office/drawing/2010/main">
+        <mc:Choice Requires="a14">
           <p:sp>
             <p:nvSpPr>
               <p:cNvPr id="30" name="TextBox 29"/>
@@ -4999,6 +4993,7 @@
               </a:bodyPr>
               <a:lstStyle/>
               <a:p>
+                <a:pPr/>
                 <a14:m>
                   <m:oMathPara xmlns:m="http://schemas.openxmlformats.org/officeDocument/2006/math">
                     <m:oMathParaPr>
@@ -5012,7 +5007,7 @@
                               <a:solidFill>
                                 <a:schemeClr val="accent6"/>
                               </a:solidFill>
-                              <a:latin typeface="Cambria Math"/>
+                              <a:latin typeface="Cambria Math" panose="02040503050406030204" pitchFamily="18" charset="0"/>
                             </a:rPr>
                           </m:ctrlPr>
                         </m:fPr>
@@ -5051,7 +5046,7 @@
             </p:txBody>
           </p:sp>
         </mc:Choice>
-        <mc:Fallback>
+        <mc:Fallback xmlns="">
           <p:sp>
             <p:nvSpPr>
               <p:cNvPr id="30" name="TextBox 29"/>

--- a/pics/2021-04-29-Euler_method/pics.pptx
+++ b/pics/2021-04-29-Euler_method/pics.pptx
@@ -11,7 +11,9 @@
     <p:sldId id="259" r:id="rId5"/>
     <p:sldId id="260" r:id="rId6"/>
     <p:sldId id="261" r:id="rId7"/>
-    <p:sldId id="262" r:id="rId8"/>
+    <p:sldId id="264" r:id="rId8"/>
+    <p:sldId id="262" r:id="rId9"/>
+    <p:sldId id="263" r:id="rId10"/>
   </p:sldIdLst>
   <p:sldSz cx="9144000" cy="6858000" type="screen4x3"/>
   <p:notesSz cx="6858000" cy="9144000"/>
@@ -308,7 +310,7 @@
           <a:p>
             <a:fld id="{FB30EDBD-1C2D-4C1E-B459-B60219FAB484}" type="datetimeFigureOut">
               <a:rPr lang="ko-KR" altLang="en-US" smtClean="0"/>
-              <a:t>2021-05-29</a:t>
+              <a:t>2023-05-08</a:t>
             </a:fld>
             <a:endParaRPr lang="ko-KR" altLang="en-US"/>
           </a:p>
@@ -471,7 +473,7 @@
           <a:p>
             <a:fld id="{FB30EDBD-1C2D-4C1E-B459-B60219FAB484}" type="datetimeFigureOut">
               <a:rPr lang="ko-KR" altLang="en-US" smtClean="0"/>
-              <a:t>2021-05-29</a:t>
+              <a:t>2023-05-08</a:t>
             </a:fld>
             <a:endParaRPr lang="ko-KR" altLang="en-US"/>
           </a:p>
@@ -644,7 +646,7 @@
           <a:p>
             <a:fld id="{FB30EDBD-1C2D-4C1E-B459-B60219FAB484}" type="datetimeFigureOut">
               <a:rPr lang="ko-KR" altLang="en-US" smtClean="0"/>
-              <a:t>2021-05-29</a:t>
+              <a:t>2023-05-08</a:t>
             </a:fld>
             <a:endParaRPr lang="ko-KR" altLang="en-US"/>
           </a:p>
@@ -807,7 +809,7 @@
           <a:p>
             <a:fld id="{FB30EDBD-1C2D-4C1E-B459-B60219FAB484}" type="datetimeFigureOut">
               <a:rPr lang="ko-KR" altLang="en-US" smtClean="0"/>
-              <a:t>2021-05-29</a:t>
+              <a:t>2023-05-08</a:t>
             </a:fld>
             <a:endParaRPr lang="ko-KR" altLang="en-US"/>
           </a:p>
@@ -1047,7 +1049,7 @@
           <a:p>
             <a:fld id="{FB30EDBD-1C2D-4C1E-B459-B60219FAB484}" type="datetimeFigureOut">
               <a:rPr lang="ko-KR" altLang="en-US" smtClean="0"/>
-              <a:t>2021-05-29</a:t>
+              <a:t>2023-05-08</a:t>
             </a:fld>
             <a:endParaRPr lang="ko-KR" altLang="en-US"/>
           </a:p>
@@ -1327,7 +1329,7 @@
           <a:p>
             <a:fld id="{FB30EDBD-1C2D-4C1E-B459-B60219FAB484}" type="datetimeFigureOut">
               <a:rPr lang="ko-KR" altLang="en-US" smtClean="0"/>
-              <a:t>2021-05-29</a:t>
+              <a:t>2023-05-08</a:t>
             </a:fld>
             <a:endParaRPr lang="ko-KR" altLang="en-US"/>
           </a:p>
@@ -1741,7 +1743,7 @@
           <a:p>
             <a:fld id="{FB30EDBD-1C2D-4C1E-B459-B60219FAB484}" type="datetimeFigureOut">
               <a:rPr lang="ko-KR" altLang="en-US" smtClean="0"/>
-              <a:t>2021-05-29</a:t>
+              <a:t>2023-05-08</a:t>
             </a:fld>
             <a:endParaRPr lang="ko-KR" altLang="en-US"/>
           </a:p>
@@ -1853,7 +1855,7 @@
           <a:p>
             <a:fld id="{FB30EDBD-1C2D-4C1E-B459-B60219FAB484}" type="datetimeFigureOut">
               <a:rPr lang="ko-KR" altLang="en-US" smtClean="0"/>
-              <a:t>2021-05-29</a:t>
+              <a:t>2023-05-08</a:t>
             </a:fld>
             <a:endParaRPr lang="ko-KR" altLang="en-US"/>
           </a:p>
@@ -1943,7 +1945,7 @@
           <a:p>
             <a:fld id="{FB30EDBD-1C2D-4C1E-B459-B60219FAB484}" type="datetimeFigureOut">
               <a:rPr lang="ko-KR" altLang="en-US" smtClean="0"/>
-              <a:t>2021-05-29</a:t>
+              <a:t>2023-05-08</a:t>
             </a:fld>
             <a:endParaRPr lang="ko-KR" altLang="en-US"/>
           </a:p>
@@ -2213,7 +2215,7 @@
           <a:p>
             <a:fld id="{FB30EDBD-1C2D-4C1E-B459-B60219FAB484}" type="datetimeFigureOut">
               <a:rPr lang="ko-KR" altLang="en-US" smtClean="0"/>
-              <a:t>2021-05-29</a:t>
+              <a:t>2023-05-08</a:t>
             </a:fld>
             <a:endParaRPr lang="ko-KR" altLang="en-US"/>
           </a:p>
@@ -2460,7 +2462,7 @@
           <a:p>
             <a:fld id="{FB30EDBD-1C2D-4C1E-B459-B60219FAB484}" type="datetimeFigureOut">
               <a:rPr lang="ko-KR" altLang="en-US" smtClean="0"/>
-              <a:t>2021-05-29</a:t>
+              <a:t>2023-05-08</a:t>
             </a:fld>
             <a:endParaRPr lang="ko-KR" altLang="en-US"/>
           </a:p>
@@ -2666,7 +2668,7 @@
           <a:p>
             <a:fld id="{FB30EDBD-1C2D-4C1E-B459-B60219FAB484}" type="datetimeFigureOut">
               <a:rPr lang="ko-KR" altLang="en-US" smtClean="0"/>
-              <a:t>2021-05-29</a:t>
+              <a:t>2023-05-08</a:t>
             </a:fld>
             <a:endParaRPr lang="ko-KR" altLang="en-US"/>
           </a:p>
@@ -3782,6 +3784,371 @@
           <a:chExt cx="0" cy="0"/>
         </a:xfrm>
       </p:grpSpPr>
+      <p:pic>
+        <p:nvPicPr>
+          <p:cNvPr id="1026" name="Picture 2"/>
+          <p:cNvPicPr>
+            <a:picLocks noChangeAspect="1" noChangeArrowheads="1"/>
+          </p:cNvPicPr>
+          <p:nvPr/>
+        </p:nvPicPr>
+        <p:blipFill>
+          <a:blip r:embed="rId2">
+            <a:extLst>
+              <a:ext uri="{28A0092B-C50C-407E-A947-70E740481C1C}">
+                <a14:useLocalDpi xmlns:a14="http://schemas.microsoft.com/office/drawing/2010/main" val="0"/>
+              </a:ext>
+            </a:extLst>
+          </a:blip>
+          <a:srcRect/>
+          <a:stretch>
+            <a:fillRect/>
+          </a:stretch>
+        </p:blipFill>
+        <p:spPr bwMode="auto">
+          <a:xfrm>
+            <a:off x="290513" y="-42863"/>
+            <a:ext cx="8562975" cy="6943726"/>
+          </a:xfrm>
+          <a:prstGeom prst="rect">
+            <a:avLst/>
+          </a:prstGeom>
+          <a:noFill/>
+          <a:ln>
+            <a:noFill/>
+          </a:ln>
+          <a:effectLst/>
+          <a:extLst>
+            <a:ext uri="{909E8E84-426E-40DD-AFC4-6F175D3DCCD1}">
+              <a14:hiddenFill xmlns:a14="http://schemas.microsoft.com/office/drawing/2010/main">
+                <a:solidFill>
+                  <a:schemeClr val="accent1"/>
+                </a:solidFill>
+              </a14:hiddenFill>
+            </a:ext>
+            <a:ext uri="{91240B29-F687-4F45-9708-019B960494DF}">
+              <a14:hiddenLine xmlns:a14="http://schemas.microsoft.com/office/drawing/2010/main" w="9525">
+                <a:solidFill>
+                  <a:schemeClr val="tx1"/>
+                </a:solidFill>
+                <a:miter lim="800000"/>
+                <a:headEnd/>
+                <a:tailEnd/>
+              </a14:hiddenLine>
+            </a:ext>
+            <a:ext uri="{AF507438-7753-43E0-B8FC-AC1667EBCBE1}">
+              <a14:hiddenEffects xmlns:a14="http://schemas.microsoft.com/office/drawing/2010/main">
+                <a:effectLst>
+                  <a:outerShdw dist="35921" dir="2700000" algn="ctr" rotWithShape="0">
+                    <a:schemeClr val="bg2"/>
+                  </a:outerShdw>
+                </a:effectLst>
+              </a14:hiddenEffects>
+            </a:ext>
+          </a:extLst>
+        </p:spPr>
+      </p:pic>
+      <p:cxnSp>
+        <p:nvCxnSpPr>
+          <p:cNvPr id="6" name="직선 연결선 5"/>
+          <p:cNvCxnSpPr>
+            <a:stCxn id="1027" idx="7"/>
+            <a:endCxn id="4" idx="0"/>
+          </p:cNvCxnSpPr>
+          <p:nvPr/>
+        </p:nvCxnSpPr>
+        <p:spPr>
+          <a:xfrm>
+            <a:off x="6176956" y="1309589"/>
+            <a:ext cx="1383376" cy="1112027"/>
+          </a:xfrm>
+          <a:prstGeom prst="line">
+            <a:avLst/>
+          </a:prstGeom>
+          <a:ln>
+            <a:solidFill>
+              <a:schemeClr val="tx1"/>
+            </a:solidFill>
+            <a:prstDash val="dash"/>
+          </a:ln>
+        </p:spPr>
+        <p:style>
+          <a:lnRef idx="1">
+            <a:schemeClr val="accent1"/>
+          </a:lnRef>
+          <a:fillRef idx="0">
+            <a:schemeClr val="accent1"/>
+          </a:fillRef>
+          <a:effectRef idx="0">
+            <a:schemeClr val="accent1"/>
+          </a:effectRef>
+          <a:fontRef idx="minor">
+            <a:schemeClr val="tx1"/>
+          </a:fontRef>
+        </p:style>
+      </p:cxnSp>
+      <p:cxnSp>
+        <p:nvCxnSpPr>
+          <p:cNvPr id="10" name="직선 연결선 9"/>
+          <p:cNvCxnSpPr>
+            <a:stCxn id="1027" idx="5"/>
+            <a:endCxn id="4" idx="4"/>
+          </p:cNvCxnSpPr>
+          <p:nvPr/>
+        </p:nvCxnSpPr>
+        <p:spPr>
+          <a:xfrm flipV="1">
+            <a:off x="6176956" y="3069688"/>
+            <a:ext cx="1383376" cy="175471"/>
+          </a:xfrm>
+          <a:prstGeom prst="line">
+            <a:avLst/>
+          </a:prstGeom>
+          <a:ln>
+            <a:solidFill>
+              <a:schemeClr val="tx1"/>
+            </a:solidFill>
+            <a:prstDash val="dash"/>
+          </a:ln>
+        </p:spPr>
+        <p:style>
+          <a:lnRef idx="1">
+            <a:schemeClr val="accent1"/>
+          </a:lnRef>
+          <a:fillRef idx="0">
+            <a:schemeClr val="accent1"/>
+          </a:fillRef>
+          <a:effectRef idx="0">
+            <a:schemeClr val="accent1"/>
+          </a:effectRef>
+          <a:fontRef idx="minor">
+            <a:schemeClr val="tx1"/>
+          </a:fontRef>
+        </p:style>
+      </p:cxnSp>
+      <p:pic>
+        <p:nvPicPr>
+          <p:cNvPr id="1027" name="Picture 3"/>
+          <p:cNvPicPr>
+            <a:picLocks noChangeAspect="1" noChangeArrowheads="1"/>
+          </p:cNvPicPr>
+          <p:nvPr/>
+        </p:nvPicPr>
+        <p:blipFill rotWithShape="1">
+          <a:blip r:embed="rId3">
+            <a:extLst>
+              <a:ext uri="{28A0092B-C50C-407E-A947-70E740481C1C}">
+                <a14:useLocalDpi xmlns:a14="http://schemas.microsoft.com/office/drawing/2010/main" val="0"/>
+              </a:ext>
+            </a:extLst>
+          </a:blip>
+          <a:srcRect l="5585" r="11478" b="11478"/>
+          <a:stretch/>
+        </p:blipFill>
+        <p:spPr bwMode="auto">
+          <a:xfrm>
+            <a:off x="3779912" y="908720"/>
+            <a:ext cx="2808312" cy="2737308"/>
+          </a:xfrm>
+          <a:prstGeom prst="ellipse">
+            <a:avLst/>
+          </a:prstGeom>
+          <a:noFill/>
+          <a:ln w="19050">
+            <a:solidFill>
+              <a:schemeClr val="tx1"/>
+            </a:solidFill>
+            <a:miter lim="800000"/>
+            <a:headEnd/>
+            <a:tailEnd/>
+          </a:ln>
+          <a:effectLst/>
+          <a:extLst>
+            <a:ext uri="{909E8E84-426E-40DD-AFC4-6F175D3DCCD1}">
+              <a14:hiddenFill xmlns:a14="http://schemas.microsoft.com/office/drawing/2010/main">
+                <a:solidFill>
+                  <a:schemeClr val="accent1"/>
+                </a:solidFill>
+              </a14:hiddenFill>
+            </a:ext>
+            <a:ext uri="{AF507438-7753-43E0-B8FC-AC1667EBCBE1}">
+              <a14:hiddenEffects xmlns:a14="http://schemas.microsoft.com/office/drawing/2010/main">
+                <a:effectLst>
+                  <a:outerShdw dist="35921" dir="2700000" algn="ctr" rotWithShape="0">
+                    <a:schemeClr val="bg2"/>
+                  </a:outerShdw>
+                </a:effectLst>
+              </a14:hiddenEffects>
+            </a:ext>
+          </a:extLst>
+        </p:spPr>
+      </p:pic>
+      <p:sp>
+        <p:nvSpPr>
+          <p:cNvPr id="4" name="타원 3"/>
+          <p:cNvSpPr/>
+          <p:nvPr/>
+        </p:nvSpPr>
+        <p:spPr>
+          <a:xfrm>
+            <a:off x="7236296" y="2421616"/>
+            <a:ext cx="648072" cy="648072"/>
+          </a:xfrm>
+          <a:prstGeom prst="ellipse">
+            <a:avLst/>
+          </a:prstGeom>
+          <a:noFill/>
+          <a:ln w="19050">
+            <a:solidFill>
+              <a:schemeClr val="tx1"/>
+            </a:solidFill>
+            <a:prstDash val="sysDot"/>
+          </a:ln>
+        </p:spPr>
+        <p:style>
+          <a:lnRef idx="2">
+            <a:schemeClr val="accent1">
+              <a:shade val="50000"/>
+            </a:schemeClr>
+          </a:lnRef>
+          <a:fillRef idx="1">
+            <a:schemeClr val="accent1"/>
+          </a:fillRef>
+          <a:effectRef idx="0">
+            <a:schemeClr val="accent1"/>
+          </a:effectRef>
+          <a:fontRef idx="minor">
+            <a:schemeClr val="lt1"/>
+          </a:fontRef>
+        </p:style>
+        <p:txBody>
+          <a:bodyPr rtlCol="0" anchor="ctr"/>
+          <a:lstStyle/>
+          <a:p>
+            <a:pPr algn="ctr"/>
+            <a:endParaRPr lang="ko-KR" altLang="en-US"/>
+          </a:p>
+        </p:txBody>
+      </p:sp>
+      <p:sp>
+        <p:nvSpPr>
+          <p:cNvPr id="2" name="Rectangle 1">
+            <a:extLst>
+              <a:ext uri="{FF2B5EF4-FFF2-40B4-BE49-F238E27FC236}">
+                <a16:creationId xmlns:a16="http://schemas.microsoft.com/office/drawing/2014/main" id="{EE01FBC4-2621-5928-A3C4-83432B7F4235}"/>
+              </a:ext>
+            </a:extLst>
+          </p:cNvPr>
+          <p:cNvSpPr/>
+          <p:nvPr/>
+        </p:nvSpPr>
+        <p:spPr>
+          <a:xfrm>
+            <a:off x="2843808" y="260648"/>
+            <a:ext cx="3744416" cy="144016"/>
+          </a:xfrm>
+          <a:prstGeom prst="rect">
+            <a:avLst/>
+          </a:prstGeom>
+          <a:solidFill>
+            <a:schemeClr val="bg1"/>
+          </a:solidFill>
+          <a:ln>
+            <a:solidFill>
+              <a:schemeClr val="bg1"/>
+            </a:solidFill>
+          </a:ln>
+        </p:spPr>
+        <p:style>
+          <a:lnRef idx="2">
+            <a:schemeClr val="accent1">
+              <a:shade val="50000"/>
+            </a:schemeClr>
+          </a:lnRef>
+          <a:fillRef idx="1">
+            <a:schemeClr val="accent1"/>
+          </a:fillRef>
+          <a:effectRef idx="0">
+            <a:schemeClr val="accent1"/>
+          </a:effectRef>
+          <a:fontRef idx="minor">
+            <a:schemeClr val="lt1"/>
+          </a:fontRef>
+        </p:style>
+        <p:txBody>
+          <a:bodyPr rtlCol="0" anchor="ctr"/>
+          <a:lstStyle/>
+          <a:p>
+            <a:pPr algn="ctr"/>
+            <a:endParaRPr lang="en-US"/>
+          </a:p>
+        </p:txBody>
+      </p:sp>
+      <p:sp>
+        <p:nvSpPr>
+          <p:cNvPr id="3" name="TextBox 2">
+            <a:extLst>
+              <a:ext uri="{FF2B5EF4-FFF2-40B4-BE49-F238E27FC236}">
+                <a16:creationId xmlns:a16="http://schemas.microsoft.com/office/drawing/2014/main" id="{8F562D18-260C-CAF4-7E82-B42FD5DD9D4C}"/>
+              </a:ext>
+            </a:extLst>
+          </p:cNvPr>
+          <p:cNvSpPr txBox="1"/>
+          <p:nvPr/>
+        </p:nvSpPr>
+        <p:spPr>
+          <a:xfrm>
+            <a:off x="1379420" y="117704"/>
+            <a:ext cx="6794296" cy="338554"/>
+          </a:xfrm>
+          <a:prstGeom prst="rect">
+            <a:avLst/>
+          </a:prstGeom>
+          <a:noFill/>
+        </p:spPr>
+        <p:txBody>
+          <a:bodyPr wrap="none" rtlCol="0">
+            <a:spAutoFit/>
+          </a:bodyPr>
+          <a:lstStyle/>
+          <a:p>
+            <a:r>
+              <a:rPr lang="en-US" sz="1600" dirty="0"/>
+              <a:t>Comparing the solution from recursion formulae and the true solution</a:t>
+            </a:r>
+          </a:p>
+        </p:txBody>
+      </p:sp>
+    </p:spTree>
+    <p:extLst>
+      <p:ext uri="{BB962C8B-B14F-4D97-AF65-F5344CB8AC3E}">
+        <p14:creationId xmlns:p14="http://schemas.microsoft.com/office/powerpoint/2010/main" val="2390554148"/>
+      </p:ext>
+    </p:extLst>
+  </p:cSld>
+  <p:clrMapOvr>
+    <a:masterClrMapping/>
+  </p:clrMapOvr>
+</p:sld>
+</file>
+
+<file path=ppt/slides/slide8.xml><?xml version="1.0" encoding="utf-8"?>
+<p:sld xmlns:a="http://schemas.openxmlformats.org/drawingml/2006/main" xmlns:r="http://schemas.openxmlformats.org/officeDocument/2006/relationships" xmlns:p="http://schemas.openxmlformats.org/presentationml/2006/main">
+  <p:cSld>
+    <p:spTree>
+      <p:nvGrpSpPr>
+        <p:cNvPr id="1" name=""/>
+        <p:cNvGrpSpPr/>
+        <p:nvPr/>
+      </p:nvGrpSpPr>
+      <p:grpSpPr>
+        <a:xfrm>
+          <a:off x="0" y="0"/>
+          <a:ext cx="0" cy="0"/>
+          <a:chOff x="0" y="0"/>
+          <a:chExt cx="0" cy="0"/>
+        </a:xfrm>
+      </p:grpSpPr>
       <p:cxnSp>
         <p:nvCxnSpPr>
           <p:cNvPr id="5" name="직선 화살표 연결선 4"/>
@@ -5098,6 +5465,1328 @@
 </p:sld>
 </file>
 
+<file path=ppt/slides/slide9.xml><?xml version="1.0" encoding="utf-8"?>
+<p:sld xmlns:a="http://schemas.openxmlformats.org/drawingml/2006/main" xmlns:r="http://schemas.openxmlformats.org/officeDocument/2006/relationships" xmlns:p="http://schemas.openxmlformats.org/presentationml/2006/main">
+  <p:cSld>
+    <p:spTree>
+      <p:nvGrpSpPr>
+        <p:cNvPr id="1" name=""/>
+        <p:cNvGrpSpPr/>
+        <p:nvPr/>
+      </p:nvGrpSpPr>
+      <p:grpSpPr>
+        <a:xfrm>
+          <a:off x="0" y="0"/>
+          <a:ext cx="0" cy="0"/>
+          <a:chOff x="0" y="0"/>
+          <a:chExt cx="0" cy="0"/>
+        </a:xfrm>
+      </p:grpSpPr>
+      <p:cxnSp>
+        <p:nvCxnSpPr>
+          <p:cNvPr id="5" name="직선 화살표 연결선 4"/>
+          <p:cNvCxnSpPr/>
+          <p:nvPr/>
+        </p:nvCxnSpPr>
+        <p:spPr>
+          <a:xfrm>
+            <a:off x="1475656" y="4797152"/>
+            <a:ext cx="6408712" cy="0"/>
+          </a:xfrm>
+          <a:prstGeom prst="straightConnector1">
+            <a:avLst/>
+          </a:prstGeom>
+          <a:ln w="38100">
+            <a:solidFill>
+              <a:schemeClr val="tx1"/>
+            </a:solidFill>
+            <a:tailEnd type="arrow"/>
+          </a:ln>
+        </p:spPr>
+        <p:style>
+          <a:lnRef idx="1">
+            <a:schemeClr val="accent1"/>
+          </a:lnRef>
+          <a:fillRef idx="0">
+            <a:schemeClr val="accent1"/>
+          </a:fillRef>
+          <a:effectRef idx="0">
+            <a:schemeClr val="accent1"/>
+          </a:effectRef>
+          <a:fontRef idx="minor">
+            <a:schemeClr val="tx1"/>
+          </a:fontRef>
+        </p:style>
+      </p:cxnSp>
+      <p:cxnSp>
+        <p:nvCxnSpPr>
+          <p:cNvPr id="7" name="직선 화살표 연결선 6"/>
+          <p:cNvCxnSpPr/>
+          <p:nvPr/>
+        </p:nvCxnSpPr>
+        <p:spPr>
+          <a:xfrm flipV="1">
+            <a:off x="2051720" y="1052736"/>
+            <a:ext cx="0" cy="4320480"/>
+          </a:xfrm>
+          <a:prstGeom prst="straightConnector1">
+            <a:avLst/>
+          </a:prstGeom>
+          <a:ln w="38100">
+            <a:solidFill>
+              <a:schemeClr val="tx1"/>
+            </a:solidFill>
+            <a:tailEnd type="arrow"/>
+          </a:ln>
+        </p:spPr>
+        <p:style>
+          <a:lnRef idx="1">
+            <a:schemeClr val="accent1"/>
+          </a:lnRef>
+          <a:fillRef idx="0">
+            <a:schemeClr val="accent1"/>
+          </a:fillRef>
+          <a:effectRef idx="0">
+            <a:schemeClr val="accent1"/>
+          </a:effectRef>
+          <a:fontRef idx="minor">
+            <a:schemeClr val="tx1"/>
+          </a:fontRef>
+        </p:style>
+      </p:cxnSp>
+      <p:cxnSp>
+        <p:nvCxnSpPr>
+          <p:cNvPr id="10" name="직선 연결선 9"/>
+          <p:cNvCxnSpPr/>
+          <p:nvPr/>
+        </p:nvCxnSpPr>
+        <p:spPr>
+          <a:xfrm>
+            <a:off x="4680012" y="4668621"/>
+            <a:ext cx="0" cy="288032"/>
+          </a:xfrm>
+          <a:prstGeom prst="line">
+            <a:avLst/>
+          </a:prstGeom>
+          <a:ln w="38100">
+            <a:solidFill>
+              <a:schemeClr val="tx1"/>
+            </a:solidFill>
+          </a:ln>
+        </p:spPr>
+        <p:style>
+          <a:lnRef idx="1">
+            <a:schemeClr val="accent1"/>
+          </a:lnRef>
+          <a:fillRef idx="0">
+            <a:schemeClr val="accent1"/>
+          </a:fillRef>
+          <a:effectRef idx="0">
+            <a:schemeClr val="accent1"/>
+          </a:effectRef>
+          <a:fontRef idx="minor">
+            <a:schemeClr val="tx1"/>
+          </a:fontRef>
+        </p:style>
+      </p:cxnSp>
+      <p:cxnSp>
+        <p:nvCxnSpPr>
+          <p:cNvPr id="11" name="직선 연결선 10"/>
+          <p:cNvCxnSpPr/>
+          <p:nvPr/>
+        </p:nvCxnSpPr>
+        <p:spPr>
+          <a:xfrm>
+            <a:off x="5508104" y="4668621"/>
+            <a:ext cx="0" cy="288032"/>
+          </a:xfrm>
+          <a:prstGeom prst="line">
+            <a:avLst/>
+          </a:prstGeom>
+          <a:ln w="38100">
+            <a:solidFill>
+              <a:schemeClr val="tx1"/>
+            </a:solidFill>
+          </a:ln>
+        </p:spPr>
+        <p:style>
+          <a:lnRef idx="1">
+            <a:schemeClr val="accent1"/>
+          </a:lnRef>
+          <a:fillRef idx="0">
+            <a:schemeClr val="accent1"/>
+          </a:fillRef>
+          <a:effectRef idx="0">
+            <a:schemeClr val="accent1"/>
+          </a:effectRef>
+          <a:fontRef idx="minor">
+            <a:schemeClr val="tx1"/>
+          </a:fontRef>
+        </p:style>
+      </p:cxnSp>
+      <p:cxnSp>
+        <p:nvCxnSpPr>
+          <p:cNvPr id="12" name="직선 연결선 11"/>
+          <p:cNvCxnSpPr/>
+          <p:nvPr/>
+        </p:nvCxnSpPr>
+        <p:spPr>
+          <a:xfrm>
+            <a:off x="3707904" y="4668621"/>
+            <a:ext cx="0" cy="288032"/>
+          </a:xfrm>
+          <a:prstGeom prst="line">
+            <a:avLst/>
+          </a:prstGeom>
+          <a:ln w="38100">
+            <a:solidFill>
+              <a:schemeClr val="tx1"/>
+            </a:solidFill>
+          </a:ln>
+        </p:spPr>
+        <p:style>
+          <a:lnRef idx="1">
+            <a:schemeClr val="accent1"/>
+          </a:lnRef>
+          <a:fillRef idx="0">
+            <a:schemeClr val="accent1"/>
+          </a:fillRef>
+          <a:effectRef idx="0">
+            <a:schemeClr val="accent1"/>
+          </a:effectRef>
+          <a:fontRef idx="minor">
+            <a:schemeClr val="tx1"/>
+          </a:fontRef>
+        </p:style>
+      </p:cxnSp>
+      <p:sp>
+        <p:nvSpPr>
+          <p:cNvPr id="20" name="자유형 19"/>
+          <p:cNvSpPr/>
+          <p:nvPr/>
+        </p:nvSpPr>
+        <p:spPr>
+          <a:xfrm>
+            <a:off x="1805940" y="868680"/>
+            <a:ext cx="5692140" cy="2198347"/>
+          </a:xfrm>
+          <a:custGeom>
+            <a:avLst/>
+            <a:gdLst>
+              <a:gd name="connsiteX0" fmla="*/ 5692140 w 5692140"/>
+              <a:gd name="connsiteY0" fmla="*/ 0 h 2198347"/>
+              <a:gd name="connsiteX1" fmla="*/ 2865120 w 5692140"/>
+              <a:gd name="connsiteY1" fmla="*/ 2095500 h 2198347"/>
+              <a:gd name="connsiteX2" fmla="*/ 0 w 5692140"/>
+              <a:gd name="connsiteY2" fmla="*/ 1684020 h 2198347"/>
+            </a:gdLst>
+            <a:ahLst/>
+            <a:cxnLst>
+              <a:cxn ang="0">
+                <a:pos x="connsiteX0" y="connsiteY0"/>
+              </a:cxn>
+              <a:cxn ang="0">
+                <a:pos x="connsiteX1" y="connsiteY1"/>
+              </a:cxn>
+              <a:cxn ang="0">
+                <a:pos x="connsiteX2" y="connsiteY2"/>
+              </a:cxn>
+            </a:cxnLst>
+            <a:rect l="l" t="t" r="r" b="b"/>
+            <a:pathLst>
+              <a:path w="5692140" h="2198347">
+                <a:moveTo>
+                  <a:pt x="5692140" y="0"/>
+                </a:moveTo>
+                <a:cubicBezTo>
+                  <a:pt x="4752975" y="907415"/>
+                  <a:pt x="3813810" y="1814830"/>
+                  <a:pt x="2865120" y="2095500"/>
+                </a:cubicBezTo>
+                <a:cubicBezTo>
+                  <a:pt x="1916430" y="2376170"/>
+                  <a:pt x="958215" y="2030095"/>
+                  <a:pt x="0" y="1684020"/>
+                </a:cubicBezTo>
+              </a:path>
+            </a:pathLst>
+          </a:custGeom>
+          <a:ln w="19050">
+            <a:solidFill>
+              <a:schemeClr val="tx1"/>
+            </a:solidFill>
+            <a:prstDash val="solid"/>
+          </a:ln>
+        </p:spPr>
+        <p:style>
+          <a:lnRef idx="1">
+            <a:schemeClr val="accent1"/>
+          </a:lnRef>
+          <a:fillRef idx="0">
+            <a:schemeClr val="accent1"/>
+          </a:fillRef>
+          <a:effectRef idx="0">
+            <a:schemeClr val="accent1"/>
+          </a:effectRef>
+          <a:fontRef idx="minor">
+            <a:schemeClr val="tx1"/>
+          </a:fontRef>
+        </p:style>
+        <p:txBody>
+          <a:bodyPr rtlCol="0" anchor="ctr"/>
+          <a:lstStyle/>
+          <a:p>
+            <a:pPr algn="ctr"/>
+            <a:endParaRPr lang="ko-KR" altLang="en-US"/>
+          </a:p>
+        </p:txBody>
+      </p:sp>
+      <mc:AlternateContent xmlns:mc="http://schemas.openxmlformats.org/markup-compatibility/2006" xmlns:a14="http://schemas.microsoft.com/office/drawing/2010/main">
+        <mc:Choice Requires="a14">
+          <p:sp>
+            <p:nvSpPr>
+              <p:cNvPr id="21" name="TextBox 20"/>
+              <p:cNvSpPr txBox="1"/>
+              <p:nvPr/>
+            </p:nvSpPr>
+            <p:spPr>
+              <a:xfrm>
+                <a:off x="7559537" y="4941168"/>
+                <a:ext cx="396839" cy="369332"/>
+              </a:xfrm>
+              <a:prstGeom prst="rect">
+                <a:avLst/>
+              </a:prstGeom>
+              <a:noFill/>
+            </p:spPr>
+            <p:txBody>
+              <a:bodyPr wrap="none" rtlCol="0">
+                <a:spAutoFit/>
+              </a:bodyPr>
+              <a:lstStyle/>
+              <a:p>
+                <a:pPr/>
+                <a14:m>
+                  <m:oMathPara xmlns:m="http://schemas.openxmlformats.org/officeDocument/2006/math">
+                    <m:oMathParaPr>
+                      <m:jc m:val="centerGroup"/>
+                    </m:oMathParaPr>
+                    <m:oMath xmlns:m="http://schemas.openxmlformats.org/officeDocument/2006/math">
+                      <m:r>
+                        <a:rPr lang="en-US" altLang="ko-KR" b="0" i="1" smtClean="0">
+                          <a:latin typeface="Cambria Math"/>
+                        </a:rPr>
+                        <m:t>𝑥</m:t>
+                      </m:r>
+                    </m:oMath>
+                  </m:oMathPara>
+                </a14:m>
+                <a:endParaRPr lang="ko-KR" altLang="en-US" dirty="0"/>
+              </a:p>
+            </p:txBody>
+          </p:sp>
+        </mc:Choice>
+        <mc:Fallback xmlns="">
+          <p:sp>
+            <p:nvSpPr>
+              <p:cNvPr id="21" name="TextBox 20"/>
+              <p:cNvSpPr txBox="1">
+                <a:spLocks noRot="1" noChangeAspect="1" noMove="1" noResize="1" noEditPoints="1" noAdjustHandles="1" noChangeArrowheads="1" noChangeShapeType="1" noTextEdit="1"/>
+              </p:cNvSpPr>
+              <p:nvPr/>
+            </p:nvSpPr>
+            <p:spPr>
+              <a:xfrm>
+                <a:off x="7559537" y="4941168"/>
+                <a:ext cx="396839" cy="369332"/>
+              </a:xfrm>
+              <a:prstGeom prst="rect">
+                <a:avLst/>
+              </a:prstGeom>
+              <a:blipFill rotWithShape="1">
+                <a:blip r:embed="rId2"/>
+                <a:stretch>
+                  <a:fillRect/>
+                </a:stretch>
+              </a:blipFill>
+            </p:spPr>
+            <p:txBody>
+              <a:bodyPr/>
+              <a:lstStyle/>
+              <a:p>
+                <a:r>
+                  <a:rPr lang="ko-KR" altLang="en-US">
+                    <a:noFill/>
+                  </a:rPr>
+                  <a:t> </a:t>
+                </a:r>
+              </a:p>
+            </p:txBody>
+          </p:sp>
+        </mc:Fallback>
+      </mc:AlternateContent>
+      <mc:AlternateContent xmlns:mc="http://schemas.openxmlformats.org/markup-compatibility/2006" xmlns:a14="http://schemas.microsoft.com/office/drawing/2010/main">
+        <mc:Choice Requires="a14">
+          <p:sp>
+            <p:nvSpPr>
+              <p:cNvPr id="22" name="TextBox 21"/>
+              <p:cNvSpPr txBox="1"/>
+              <p:nvPr/>
+            </p:nvSpPr>
+            <p:spPr>
+              <a:xfrm>
+                <a:off x="1607520" y="908720"/>
+                <a:ext cx="396839" cy="369332"/>
+              </a:xfrm>
+              <a:prstGeom prst="rect">
+                <a:avLst/>
+              </a:prstGeom>
+              <a:noFill/>
+            </p:spPr>
+            <p:txBody>
+              <a:bodyPr wrap="none" rtlCol="0">
+                <a:spAutoFit/>
+              </a:bodyPr>
+              <a:lstStyle/>
+              <a:p>
+                <a:pPr/>
+                <a14:m>
+                  <m:oMathPara xmlns:m="http://schemas.openxmlformats.org/officeDocument/2006/math">
+                    <m:oMathParaPr>
+                      <m:jc m:val="centerGroup"/>
+                    </m:oMathParaPr>
+                    <m:oMath xmlns:m="http://schemas.openxmlformats.org/officeDocument/2006/math">
+                      <m:r>
+                        <a:rPr lang="en-US" altLang="ko-KR" b="0" i="1" smtClean="0">
+                          <a:latin typeface="Cambria Math"/>
+                        </a:rPr>
+                        <m:t>𝑦</m:t>
+                      </m:r>
+                    </m:oMath>
+                  </m:oMathPara>
+                </a14:m>
+                <a:endParaRPr lang="ko-KR" altLang="en-US" dirty="0"/>
+              </a:p>
+            </p:txBody>
+          </p:sp>
+        </mc:Choice>
+        <mc:Fallback xmlns="">
+          <p:sp>
+            <p:nvSpPr>
+              <p:cNvPr id="22" name="TextBox 21"/>
+              <p:cNvSpPr txBox="1">
+                <a:spLocks noRot="1" noChangeAspect="1" noMove="1" noResize="1" noEditPoints="1" noAdjustHandles="1" noChangeArrowheads="1" noChangeShapeType="1" noTextEdit="1"/>
+              </p:cNvSpPr>
+              <p:nvPr/>
+            </p:nvSpPr>
+            <p:spPr>
+              <a:xfrm>
+                <a:off x="1607520" y="908720"/>
+                <a:ext cx="396839" cy="369332"/>
+              </a:xfrm>
+              <a:prstGeom prst="rect">
+                <a:avLst/>
+              </a:prstGeom>
+              <a:blipFill rotWithShape="1">
+                <a:blip r:embed="rId3"/>
+                <a:stretch>
+                  <a:fillRect b="-8197"/>
+                </a:stretch>
+              </a:blipFill>
+            </p:spPr>
+            <p:txBody>
+              <a:bodyPr/>
+              <a:lstStyle/>
+              <a:p>
+                <a:r>
+                  <a:rPr lang="ko-KR" altLang="en-US">
+                    <a:noFill/>
+                  </a:rPr>
+                  <a:t> </a:t>
+                </a:r>
+              </a:p>
+            </p:txBody>
+          </p:sp>
+        </mc:Fallback>
+      </mc:AlternateContent>
+      <mc:AlternateContent xmlns:mc="http://schemas.openxmlformats.org/markup-compatibility/2006" xmlns:a14="http://schemas.microsoft.com/office/drawing/2010/main">
+        <mc:Choice Requires="a14">
+          <p:sp>
+            <p:nvSpPr>
+              <p:cNvPr id="23" name="TextBox 22"/>
+              <p:cNvSpPr txBox="1"/>
+              <p:nvPr/>
+            </p:nvSpPr>
+            <p:spPr>
+              <a:xfrm>
+                <a:off x="1582873" y="4859868"/>
+                <a:ext cx="396839" cy="369332"/>
+              </a:xfrm>
+              <a:prstGeom prst="rect">
+                <a:avLst/>
+              </a:prstGeom>
+              <a:noFill/>
+            </p:spPr>
+            <p:txBody>
+              <a:bodyPr wrap="none" rtlCol="0">
+                <a:spAutoFit/>
+              </a:bodyPr>
+              <a:lstStyle/>
+              <a:p>
+                <a:pPr/>
+                <a14:m>
+                  <m:oMathPara xmlns:m="http://schemas.openxmlformats.org/officeDocument/2006/math">
+                    <m:oMathParaPr>
+                      <m:jc m:val="centerGroup"/>
+                    </m:oMathParaPr>
+                    <m:oMath xmlns:m="http://schemas.openxmlformats.org/officeDocument/2006/math">
+                      <m:r>
+                        <a:rPr lang="en-US" altLang="ko-KR" b="0" i="1" smtClean="0">
+                          <a:latin typeface="Cambria Math"/>
+                        </a:rPr>
+                        <m:t>0</m:t>
+                      </m:r>
+                    </m:oMath>
+                  </m:oMathPara>
+                </a14:m>
+                <a:endParaRPr lang="ko-KR" altLang="en-US" dirty="0"/>
+              </a:p>
+            </p:txBody>
+          </p:sp>
+        </mc:Choice>
+        <mc:Fallback xmlns="">
+          <p:sp>
+            <p:nvSpPr>
+              <p:cNvPr id="23" name="TextBox 22"/>
+              <p:cNvSpPr txBox="1">
+                <a:spLocks noRot="1" noChangeAspect="1" noMove="1" noResize="1" noEditPoints="1" noAdjustHandles="1" noChangeArrowheads="1" noChangeShapeType="1" noTextEdit="1"/>
+              </p:cNvSpPr>
+              <p:nvPr/>
+            </p:nvSpPr>
+            <p:spPr>
+              <a:xfrm>
+                <a:off x="1582873" y="4859868"/>
+                <a:ext cx="396839" cy="369332"/>
+              </a:xfrm>
+              <a:prstGeom prst="rect">
+                <a:avLst/>
+              </a:prstGeom>
+              <a:blipFill rotWithShape="1">
+                <a:blip r:embed="rId4"/>
+                <a:stretch>
+                  <a:fillRect/>
+                </a:stretch>
+              </a:blipFill>
+            </p:spPr>
+            <p:txBody>
+              <a:bodyPr/>
+              <a:lstStyle/>
+              <a:p>
+                <a:r>
+                  <a:rPr lang="ko-KR" altLang="en-US">
+                    <a:noFill/>
+                  </a:rPr>
+                  <a:t> </a:t>
+                </a:r>
+              </a:p>
+            </p:txBody>
+          </p:sp>
+        </mc:Fallback>
+      </mc:AlternateContent>
+      <mc:AlternateContent xmlns:mc="http://schemas.openxmlformats.org/markup-compatibility/2006" xmlns:a14="http://schemas.microsoft.com/office/drawing/2010/main">
+        <mc:Choice Requires="a14">
+          <p:sp>
+            <p:nvSpPr>
+              <p:cNvPr id="24" name="TextBox 23"/>
+              <p:cNvSpPr txBox="1"/>
+              <p:nvPr/>
+            </p:nvSpPr>
+            <p:spPr>
+              <a:xfrm>
+                <a:off x="4481592" y="4859868"/>
+                <a:ext cx="494944" cy="369332"/>
+              </a:xfrm>
+              <a:prstGeom prst="rect">
+                <a:avLst/>
+              </a:prstGeom>
+              <a:noFill/>
+            </p:spPr>
+            <p:txBody>
+              <a:bodyPr wrap="none" rtlCol="0">
+                <a:spAutoFit/>
+              </a:bodyPr>
+              <a:lstStyle/>
+              <a:p>
+                <a:pPr/>
+                <a14:m>
+                  <m:oMathPara xmlns:m="http://schemas.openxmlformats.org/officeDocument/2006/math">
+                    <m:oMathParaPr>
+                      <m:jc m:val="centerGroup"/>
+                    </m:oMathParaPr>
+                    <m:oMath xmlns:m="http://schemas.openxmlformats.org/officeDocument/2006/math">
+                      <m:sSub>
+                        <m:sSubPr>
+                          <m:ctrlPr>
+                            <a:rPr lang="en-US" altLang="ko-KR" b="0" i="1" smtClean="0">
+                              <a:latin typeface="Cambria Math" panose="02040503050406030204" pitchFamily="18" charset="0"/>
+                            </a:rPr>
+                          </m:ctrlPr>
+                        </m:sSubPr>
+                        <m:e>
+                          <m:r>
+                            <a:rPr lang="en-US" altLang="ko-KR" b="0" i="1" smtClean="0">
+                              <a:latin typeface="Cambria Math"/>
+                            </a:rPr>
+                            <m:t>𝑥</m:t>
+                          </m:r>
+                        </m:e>
+                        <m:sub>
+                          <m:r>
+                            <a:rPr lang="en-US" altLang="ko-KR" b="0" i="1" smtClean="0">
+                              <a:latin typeface="Cambria Math"/>
+                            </a:rPr>
+                            <m:t>0</m:t>
+                          </m:r>
+                        </m:sub>
+                      </m:sSub>
+                    </m:oMath>
+                  </m:oMathPara>
+                </a14:m>
+                <a:endParaRPr lang="ko-KR" altLang="en-US" dirty="0"/>
+              </a:p>
+            </p:txBody>
+          </p:sp>
+        </mc:Choice>
+        <mc:Fallback xmlns="">
+          <p:sp>
+            <p:nvSpPr>
+              <p:cNvPr id="24" name="TextBox 23"/>
+              <p:cNvSpPr txBox="1">
+                <a:spLocks noRot="1" noChangeAspect="1" noMove="1" noResize="1" noEditPoints="1" noAdjustHandles="1" noChangeArrowheads="1" noChangeShapeType="1" noTextEdit="1"/>
+              </p:cNvSpPr>
+              <p:nvPr/>
+            </p:nvSpPr>
+            <p:spPr>
+              <a:xfrm>
+                <a:off x="4481592" y="4859868"/>
+                <a:ext cx="494944" cy="369332"/>
+              </a:xfrm>
+              <a:prstGeom prst="rect">
+                <a:avLst/>
+              </a:prstGeom>
+              <a:blipFill rotWithShape="1">
+                <a:blip r:embed="rId5"/>
+                <a:stretch>
+                  <a:fillRect b="-1639"/>
+                </a:stretch>
+              </a:blipFill>
+            </p:spPr>
+            <p:txBody>
+              <a:bodyPr/>
+              <a:lstStyle/>
+              <a:p>
+                <a:r>
+                  <a:rPr lang="ko-KR" altLang="en-US">
+                    <a:noFill/>
+                  </a:rPr>
+                  <a:t> </a:t>
+                </a:r>
+              </a:p>
+            </p:txBody>
+          </p:sp>
+        </mc:Fallback>
+      </mc:AlternateContent>
+      <mc:AlternateContent xmlns:mc="http://schemas.openxmlformats.org/markup-compatibility/2006" xmlns:a14="http://schemas.microsoft.com/office/drawing/2010/main">
+        <mc:Choice Requires="a14">
+          <p:sp>
+            <p:nvSpPr>
+              <p:cNvPr id="25" name="TextBox 24"/>
+              <p:cNvSpPr txBox="1"/>
+              <p:nvPr/>
+            </p:nvSpPr>
+            <p:spPr>
+              <a:xfrm>
+                <a:off x="5135380" y="4859868"/>
+                <a:ext cx="902876" cy="369332"/>
+              </a:xfrm>
+              <a:prstGeom prst="rect">
+                <a:avLst/>
+              </a:prstGeom>
+              <a:noFill/>
+            </p:spPr>
+            <p:txBody>
+              <a:bodyPr wrap="none" rtlCol="0">
+                <a:spAutoFit/>
+              </a:bodyPr>
+              <a:lstStyle/>
+              <a:p>
+                <a:pPr/>
+                <a14:m>
+                  <m:oMathPara xmlns:m="http://schemas.openxmlformats.org/officeDocument/2006/math">
+                    <m:oMathParaPr>
+                      <m:jc m:val="centerGroup"/>
+                    </m:oMathParaPr>
+                    <m:oMath xmlns:m="http://schemas.openxmlformats.org/officeDocument/2006/math">
+                      <m:sSub>
+                        <m:sSubPr>
+                          <m:ctrlPr>
+                            <a:rPr lang="en-US" altLang="ko-KR" b="0" i="1" smtClean="0">
+                              <a:latin typeface="Cambria Math" panose="02040503050406030204" pitchFamily="18" charset="0"/>
+                            </a:rPr>
+                          </m:ctrlPr>
+                        </m:sSubPr>
+                        <m:e>
+                          <m:r>
+                            <a:rPr lang="en-US" altLang="ko-KR" b="0" i="1" smtClean="0">
+                              <a:latin typeface="Cambria Math"/>
+                            </a:rPr>
+                            <m:t>𝑥</m:t>
+                          </m:r>
+                        </m:e>
+                        <m:sub>
+                          <m:r>
+                            <a:rPr lang="en-US" altLang="ko-KR" b="0" i="1" smtClean="0">
+                              <a:latin typeface="Cambria Math"/>
+                            </a:rPr>
+                            <m:t>0</m:t>
+                          </m:r>
+                        </m:sub>
+                      </m:sSub>
+                      <m:r>
+                        <a:rPr lang="en-US" altLang="ko-KR" b="0" i="1" smtClean="0">
+                          <a:latin typeface="Cambria Math"/>
+                        </a:rPr>
+                        <m:t>+</m:t>
+                      </m:r>
+                      <m:r>
+                        <a:rPr lang="en-US" altLang="ko-KR" b="0" i="1" smtClean="0">
+                          <a:latin typeface="Cambria Math"/>
+                        </a:rPr>
+                        <m:t>h</m:t>
+                      </m:r>
+                    </m:oMath>
+                  </m:oMathPara>
+                </a14:m>
+                <a:endParaRPr lang="ko-KR" altLang="en-US" dirty="0"/>
+              </a:p>
+            </p:txBody>
+          </p:sp>
+        </mc:Choice>
+        <mc:Fallback xmlns="">
+          <p:sp>
+            <p:nvSpPr>
+              <p:cNvPr id="25" name="TextBox 24"/>
+              <p:cNvSpPr txBox="1">
+                <a:spLocks noRot="1" noChangeAspect="1" noMove="1" noResize="1" noEditPoints="1" noAdjustHandles="1" noChangeArrowheads="1" noChangeShapeType="1" noTextEdit="1"/>
+              </p:cNvSpPr>
+              <p:nvPr/>
+            </p:nvSpPr>
+            <p:spPr>
+              <a:xfrm>
+                <a:off x="5135380" y="4859868"/>
+                <a:ext cx="902876" cy="369332"/>
+              </a:xfrm>
+              <a:prstGeom prst="rect">
+                <a:avLst/>
+              </a:prstGeom>
+              <a:blipFill rotWithShape="1">
+                <a:blip r:embed="rId6"/>
+                <a:stretch>
+                  <a:fillRect b="-1639"/>
+                </a:stretch>
+              </a:blipFill>
+            </p:spPr>
+            <p:txBody>
+              <a:bodyPr/>
+              <a:lstStyle/>
+              <a:p>
+                <a:r>
+                  <a:rPr lang="ko-KR" altLang="en-US">
+                    <a:noFill/>
+                  </a:rPr>
+                  <a:t> </a:t>
+                </a:r>
+              </a:p>
+            </p:txBody>
+          </p:sp>
+        </mc:Fallback>
+      </mc:AlternateContent>
+      <mc:AlternateContent xmlns:mc="http://schemas.openxmlformats.org/markup-compatibility/2006" xmlns:a14="http://schemas.microsoft.com/office/drawing/2010/main">
+        <mc:Choice Requires="a14">
+          <p:sp>
+            <p:nvSpPr>
+              <p:cNvPr id="26" name="TextBox 25"/>
+              <p:cNvSpPr txBox="1"/>
+              <p:nvPr/>
+            </p:nvSpPr>
+            <p:spPr>
+              <a:xfrm>
+                <a:off x="3256466" y="4859868"/>
+                <a:ext cx="902876" cy="369332"/>
+              </a:xfrm>
+              <a:prstGeom prst="rect">
+                <a:avLst/>
+              </a:prstGeom>
+              <a:noFill/>
+            </p:spPr>
+            <p:txBody>
+              <a:bodyPr wrap="none" rtlCol="0">
+                <a:spAutoFit/>
+              </a:bodyPr>
+              <a:lstStyle/>
+              <a:p>
+                <a:pPr/>
+                <a14:m>
+                  <m:oMathPara xmlns:m="http://schemas.openxmlformats.org/officeDocument/2006/math">
+                    <m:oMathParaPr>
+                      <m:jc m:val="centerGroup"/>
+                    </m:oMathParaPr>
+                    <m:oMath xmlns:m="http://schemas.openxmlformats.org/officeDocument/2006/math">
+                      <m:sSub>
+                        <m:sSubPr>
+                          <m:ctrlPr>
+                            <a:rPr lang="en-US" altLang="ko-KR" b="0" i="1" smtClean="0">
+                              <a:latin typeface="Cambria Math" panose="02040503050406030204" pitchFamily="18" charset="0"/>
+                            </a:rPr>
+                          </m:ctrlPr>
+                        </m:sSubPr>
+                        <m:e>
+                          <m:r>
+                            <a:rPr lang="en-US" altLang="ko-KR" b="0" i="1" smtClean="0">
+                              <a:latin typeface="Cambria Math"/>
+                            </a:rPr>
+                            <m:t>𝑥</m:t>
+                          </m:r>
+                        </m:e>
+                        <m:sub>
+                          <m:r>
+                            <a:rPr lang="en-US" altLang="ko-KR" b="0" i="1" smtClean="0">
+                              <a:latin typeface="Cambria Math"/>
+                            </a:rPr>
+                            <m:t>0</m:t>
+                          </m:r>
+                        </m:sub>
+                      </m:sSub>
+                      <m:r>
+                        <a:rPr lang="en-US" altLang="ko-KR" b="0" i="1" smtClean="0">
+                          <a:latin typeface="Cambria Math"/>
+                        </a:rPr>
+                        <m:t>−</m:t>
+                      </m:r>
+                      <m:r>
+                        <a:rPr lang="en-US" altLang="ko-KR" b="0" i="1" smtClean="0">
+                          <a:latin typeface="Cambria Math"/>
+                        </a:rPr>
+                        <m:t>h</m:t>
+                      </m:r>
+                    </m:oMath>
+                  </m:oMathPara>
+                </a14:m>
+                <a:endParaRPr lang="ko-KR" altLang="en-US" dirty="0"/>
+              </a:p>
+            </p:txBody>
+          </p:sp>
+        </mc:Choice>
+        <mc:Fallback xmlns="">
+          <p:sp>
+            <p:nvSpPr>
+              <p:cNvPr id="26" name="TextBox 25"/>
+              <p:cNvSpPr txBox="1">
+                <a:spLocks noRot="1" noChangeAspect="1" noMove="1" noResize="1" noEditPoints="1" noAdjustHandles="1" noChangeArrowheads="1" noChangeShapeType="1" noTextEdit="1"/>
+              </p:cNvSpPr>
+              <p:nvPr/>
+            </p:nvSpPr>
+            <p:spPr>
+              <a:xfrm>
+                <a:off x="3256466" y="4859868"/>
+                <a:ext cx="902876" cy="369332"/>
+              </a:xfrm>
+              <a:prstGeom prst="rect">
+                <a:avLst/>
+              </a:prstGeom>
+              <a:blipFill rotWithShape="1">
+                <a:blip r:embed="rId7"/>
+                <a:stretch>
+                  <a:fillRect b="-1639"/>
+                </a:stretch>
+              </a:blipFill>
+            </p:spPr>
+            <p:txBody>
+              <a:bodyPr/>
+              <a:lstStyle/>
+              <a:p>
+                <a:r>
+                  <a:rPr lang="ko-KR" altLang="en-US">
+                    <a:noFill/>
+                  </a:rPr>
+                  <a:t> </a:t>
+                </a:r>
+              </a:p>
+            </p:txBody>
+          </p:sp>
+        </mc:Fallback>
+      </mc:AlternateContent>
+      <p:sp>
+        <p:nvSpPr>
+          <p:cNvPr id="27" name="TextBox 26"/>
+          <p:cNvSpPr txBox="1"/>
+          <p:nvPr/>
+        </p:nvSpPr>
+        <p:spPr>
+          <a:xfrm>
+            <a:off x="748890" y="1768540"/>
+            <a:ext cx="4027113" cy="919401"/>
+          </a:xfrm>
+          <a:prstGeom prst="roundRect">
+            <a:avLst/>
+          </a:prstGeom>
+          <a:solidFill>
+            <a:schemeClr val="bg1"/>
+          </a:solidFill>
+          <a:ln w="28575">
+            <a:solidFill>
+              <a:schemeClr val="accent1"/>
+            </a:solidFill>
+          </a:ln>
+        </p:spPr>
+        <p:txBody>
+          <a:bodyPr wrap="none" rtlCol="0">
+            <a:spAutoFit/>
+          </a:bodyPr>
+          <a:lstStyle/>
+          <a:p>
+            <a:pPr algn="ctr"/>
+            <a:r>
+              <a:rPr lang="en-US" altLang="ko-KR" sz="1600" dirty="0">
+                <a:latin typeface="나눔바른고딕" pitchFamily="50" charset="-127"/>
+                <a:ea typeface="나눔바른고딕" pitchFamily="50" charset="-127"/>
+              </a:rPr>
+              <a:t>Differential Equation: </a:t>
+            </a:r>
+          </a:p>
+          <a:p>
+            <a:pPr algn="ctr"/>
+            <a:r>
+              <a:rPr lang="en-US" altLang="ko-KR" sz="1600" dirty="0">
+                <a:latin typeface="나눔바른고딕" pitchFamily="50" charset="-127"/>
+                <a:ea typeface="나눔바른고딕" pitchFamily="50" charset="-127"/>
+              </a:rPr>
+              <a:t>Expression of the relationship of change</a:t>
+            </a:r>
+          </a:p>
+          <a:p>
+            <a:pPr algn="ctr"/>
+            <a:r>
+              <a:rPr lang="en-US" altLang="ko-KR" sz="1600" dirty="0">
+                <a:latin typeface="나눔바른고딕" pitchFamily="50" charset="-127"/>
+                <a:ea typeface="나눔바른고딕" pitchFamily="50" charset="-127"/>
+              </a:rPr>
+              <a:t>from every point to the next point</a:t>
+            </a:r>
+            <a:endParaRPr lang="ko-KR" altLang="en-US" sz="1600" dirty="0">
+              <a:latin typeface="나눔바른고딕" pitchFamily="50" charset="-127"/>
+              <a:ea typeface="나눔바른고딕" pitchFamily="50" charset="-127"/>
+            </a:endParaRPr>
+          </a:p>
+        </p:txBody>
+      </p:sp>
+      <p:sp>
+        <p:nvSpPr>
+          <p:cNvPr id="8" name="타원 7"/>
+          <p:cNvSpPr/>
+          <p:nvPr/>
+        </p:nvSpPr>
+        <p:spPr>
+          <a:xfrm flipV="1">
+            <a:off x="4644008" y="2924944"/>
+            <a:ext cx="72008" cy="72008"/>
+          </a:xfrm>
+          <a:prstGeom prst="ellipse">
+            <a:avLst/>
+          </a:prstGeom>
+          <a:solidFill>
+            <a:schemeClr val="accent1"/>
+          </a:solidFill>
+          <a:ln w="19050">
+            <a:solidFill>
+              <a:schemeClr val="accent1"/>
+            </a:solidFill>
+          </a:ln>
+        </p:spPr>
+        <p:style>
+          <a:lnRef idx="2">
+            <a:schemeClr val="accent1">
+              <a:shade val="50000"/>
+            </a:schemeClr>
+          </a:lnRef>
+          <a:fillRef idx="1">
+            <a:schemeClr val="accent1"/>
+          </a:fillRef>
+          <a:effectRef idx="0">
+            <a:schemeClr val="accent1"/>
+          </a:effectRef>
+          <a:fontRef idx="minor">
+            <a:schemeClr val="lt1"/>
+          </a:fontRef>
+        </p:style>
+        <p:txBody>
+          <a:bodyPr rtlCol="0" anchor="ctr"/>
+          <a:lstStyle/>
+          <a:p>
+            <a:pPr algn="ctr"/>
+            <a:endParaRPr lang="ko-KR" altLang="en-US" dirty="0"/>
+          </a:p>
+        </p:txBody>
+      </p:sp>
+      <p:cxnSp>
+        <p:nvCxnSpPr>
+          <p:cNvPr id="16" name="직선 연결선 15"/>
+          <p:cNvCxnSpPr/>
+          <p:nvPr/>
+        </p:nvCxnSpPr>
+        <p:spPr>
+          <a:xfrm flipV="1">
+            <a:off x="3851920" y="2758068"/>
+            <a:ext cx="1512168" cy="432048"/>
+          </a:xfrm>
+          <a:prstGeom prst="line">
+            <a:avLst/>
+          </a:prstGeom>
+          <a:ln w="19050">
+            <a:solidFill>
+              <a:schemeClr val="accent6"/>
+            </a:solidFill>
+          </a:ln>
+        </p:spPr>
+        <p:style>
+          <a:lnRef idx="1">
+            <a:schemeClr val="accent1"/>
+          </a:lnRef>
+          <a:fillRef idx="0">
+            <a:schemeClr val="accent1"/>
+          </a:fillRef>
+          <a:effectRef idx="0">
+            <a:schemeClr val="accent1"/>
+          </a:effectRef>
+          <a:fontRef idx="minor">
+            <a:schemeClr val="tx1"/>
+          </a:fontRef>
+        </p:style>
+      </p:cxnSp>
+      <p:sp>
+        <p:nvSpPr>
+          <p:cNvPr id="28" name="TextBox 27"/>
+          <p:cNvSpPr txBox="1"/>
+          <p:nvPr/>
+        </p:nvSpPr>
+        <p:spPr>
+          <a:xfrm>
+            <a:off x="5065162" y="2988231"/>
+            <a:ext cx="2250100" cy="919401"/>
+          </a:xfrm>
+          <a:prstGeom prst="roundRect">
+            <a:avLst/>
+          </a:prstGeom>
+          <a:ln/>
+        </p:spPr>
+        <p:style>
+          <a:lnRef idx="2">
+            <a:schemeClr val="accent6"/>
+          </a:lnRef>
+          <a:fillRef idx="1">
+            <a:schemeClr val="lt1"/>
+          </a:fillRef>
+          <a:effectRef idx="0">
+            <a:schemeClr val="accent6"/>
+          </a:effectRef>
+          <a:fontRef idx="minor">
+            <a:schemeClr val="dk1"/>
+          </a:fontRef>
+        </p:style>
+        <p:txBody>
+          <a:bodyPr wrap="none" rtlCol="0">
+            <a:spAutoFit/>
+          </a:bodyPr>
+          <a:lstStyle/>
+          <a:p>
+            <a:pPr algn="ctr"/>
+            <a:r>
+              <a:rPr lang="en-US" altLang="ko-KR" sz="1600" dirty="0">
+                <a:latin typeface="나눔바른고딕" pitchFamily="50" charset="-127"/>
+                <a:ea typeface="나눔바른고딕" pitchFamily="50" charset="-127"/>
+              </a:rPr>
+              <a:t>Change relationship: </a:t>
+            </a:r>
+          </a:p>
+          <a:p>
+            <a:pPr algn="ctr"/>
+            <a:r>
+              <a:rPr lang="en-US" altLang="ko-KR" sz="1600" dirty="0">
+                <a:latin typeface="나눔바른고딕" pitchFamily="50" charset="-127"/>
+                <a:ea typeface="나눔바른고딕" pitchFamily="50" charset="-127"/>
+              </a:rPr>
+              <a:t>can be expressed</a:t>
+            </a:r>
+          </a:p>
+          <a:p>
+            <a:pPr algn="ctr"/>
+            <a:r>
+              <a:rPr lang="en-US" altLang="ko-KR" sz="1600" dirty="0">
+                <a:latin typeface="나눔바른고딕" pitchFamily="50" charset="-127"/>
+                <a:ea typeface="나눔바른고딕" pitchFamily="50" charset="-127"/>
+              </a:rPr>
+              <a:t>as a slope at a point</a:t>
+            </a:r>
+            <a:endParaRPr lang="ko-KR" altLang="en-US" sz="1600" dirty="0">
+              <a:latin typeface="나눔바른고딕" pitchFamily="50" charset="-127"/>
+              <a:ea typeface="나눔바른고딕" pitchFamily="50" charset="-127"/>
+            </a:endParaRPr>
+          </a:p>
+        </p:txBody>
+      </p:sp>
+      <mc:AlternateContent xmlns:mc="http://schemas.openxmlformats.org/markup-compatibility/2006" xmlns:a14="http://schemas.microsoft.com/office/drawing/2010/main">
+        <mc:Choice Requires="a14">
+          <p:sp>
+            <p:nvSpPr>
+              <p:cNvPr id="29" name="TextBox 28"/>
+              <p:cNvSpPr txBox="1"/>
+              <p:nvPr/>
+            </p:nvSpPr>
+            <p:spPr>
+              <a:xfrm>
+                <a:off x="4967653" y="1340768"/>
+                <a:ext cx="1692579" cy="523220"/>
+              </a:xfrm>
+              <a:prstGeom prst="rect">
+                <a:avLst/>
+              </a:prstGeom>
+              <a:noFill/>
+            </p:spPr>
+            <p:txBody>
+              <a:bodyPr wrap="none" rtlCol="0">
+                <a:spAutoFit/>
+              </a:bodyPr>
+              <a:lstStyle/>
+              <a:p>
+                <a:pPr/>
+                <a14:m>
+                  <m:oMathPara xmlns:m="http://schemas.openxmlformats.org/officeDocument/2006/math">
+                    <m:oMathParaPr>
+                      <m:jc m:val="centerGroup"/>
+                    </m:oMathParaPr>
+                    <m:oMath xmlns:m="http://schemas.openxmlformats.org/officeDocument/2006/math">
+                      <m:r>
+                        <a:rPr lang="en-US" altLang="ko-KR" sz="2800" b="0" i="1" smtClean="0">
+                          <a:latin typeface="Cambria Math"/>
+                        </a:rPr>
+                        <m:t>𝑦</m:t>
+                      </m:r>
+                      <m:r>
+                        <a:rPr lang="en-US" altLang="ko-KR" sz="2800" b="0" i="1" smtClean="0">
+                          <a:latin typeface="Cambria Math"/>
+                        </a:rPr>
+                        <m:t>=</m:t>
+                      </m:r>
+                      <m:r>
+                        <a:rPr lang="en-US" altLang="ko-KR" sz="2800" b="0" i="1" smtClean="0">
+                          <a:latin typeface="Cambria Math"/>
+                        </a:rPr>
+                        <m:t>𝑓</m:t>
+                      </m:r>
+                      <m:r>
+                        <a:rPr lang="en-US" altLang="ko-KR" sz="2800" b="0" i="1" smtClean="0">
+                          <a:latin typeface="Cambria Math"/>
+                        </a:rPr>
+                        <m:t>(</m:t>
+                      </m:r>
+                      <m:r>
+                        <a:rPr lang="en-US" altLang="ko-KR" sz="2800" b="0" i="1" smtClean="0">
+                          <a:latin typeface="Cambria Math"/>
+                        </a:rPr>
+                        <m:t>𝑥</m:t>
+                      </m:r>
+                      <m:r>
+                        <a:rPr lang="en-US" altLang="ko-KR" sz="2800" b="0" i="1" smtClean="0">
+                          <a:latin typeface="Cambria Math"/>
+                        </a:rPr>
+                        <m:t>)</m:t>
+                      </m:r>
+                    </m:oMath>
+                  </m:oMathPara>
+                </a14:m>
+                <a:endParaRPr lang="ko-KR" altLang="en-US" sz="2800" dirty="0"/>
+              </a:p>
+            </p:txBody>
+          </p:sp>
+        </mc:Choice>
+        <mc:Fallback xmlns="">
+          <p:sp>
+            <p:nvSpPr>
+              <p:cNvPr id="29" name="TextBox 28"/>
+              <p:cNvSpPr txBox="1">
+                <a:spLocks noRot="1" noChangeAspect="1" noMove="1" noResize="1" noEditPoints="1" noAdjustHandles="1" noChangeArrowheads="1" noChangeShapeType="1" noTextEdit="1"/>
+              </p:cNvSpPr>
+              <p:nvPr/>
+            </p:nvSpPr>
+            <p:spPr>
+              <a:xfrm>
+                <a:off x="4967653" y="1340768"/>
+                <a:ext cx="1692579" cy="523220"/>
+              </a:xfrm>
+              <a:prstGeom prst="rect">
+                <a:avLst/>
+              </a:prstGeom>
+              <a:blipFill rotWithShape="1">
+                <a:blip r:embed="rId8"/>
+                <a:stretch>
+                  <a:fillRect/>
+                </a:stretch>
+              </a:blipFill>
+            </p:spPr>
+            <p:txBody>
+              <a:bodyPr/>
+              <a:lstStyle/>
+              <a:p>
+                <a:r>
+                  <a:rPr lang="ko-KR" altLang="en-US">
+                    <a:noFill/>
+                  </a:rPr>
+                  <a:t> </a:t>
+                </a:r>
+              </a:p>
+            </p:txBody>
+          </p:sp>
+        </mc:Fallback>
+      </mc:AlternateContent>
+      <mc:AlternateContent xmlns:mc="http://schemas.openxmlformats.org/markup-compatibility/2006" xmlns:a14="http://schemas.microsoft.com/office/drawing/2010/main">
+        <mc:Choice Requires="a14">
+          <p:sp>
+            <p:nvSpPr>
+              <p:cNvPr id="30" name="TextBox 29"/>
+              <p:cNvSpPr txBox="1"/>
+              <p:nvPr/>
+            </p:nvSpPr>
+            <p:spPr>
+              <a:xfrm>
+                <a:off x="4205816" y="3092829"/>
+                <a:ext cx="726224" cy="910377"/>
+              </a:xfrm>
+              <a:prstGeom prst="rect">
+                <a:avLst/>
+              </a:prstGeom>
+              <a:noFill/>
+            </p:spPr>
+            <p:txBody>
+              <a:bodyPr wrap="none" rtlCol="0">
+                <a:spAutoFit/>
+              </a:bodyPr>
+              <a:lstStyle/>
+              <a:p>
+                <a:pPr/>
+                <a14:m>
+                  <m:oMathPara xmlns:m="http://schemas.openxmlformats.org/officeDocument/2006/math">
+                    <m:oMathParaPr>
+                      <m:jc m:val="centerGroup"/>
+                    </m:oMathParaPr>
+                    <m:oMath xmlns:m="http://schemas.openxmlformats.org/officeDocument/2006/math">
+                      <m:f>
+                        <m:fPr>
+                          <m:ctrlPr>
+                            <a:rPr lang="en-US" altLang="ko-KR" sz="2800" b="0" i="1" smtClean="0">
+                              <a:solidFill>
+                                <a:schemeClr val="accent6"/>
+                              </a:solidFill>
+                              <a:latin typeface="Cambria Math" panose="02040503050406030204" pitchFamily="18" charset="0"/>
+                            </a:rPr>
+                          </m:ctrlPr>
+                        </m:fPr>
+                        <m:num>
+                          <m:r>
+                            <a:rPr lang="en-US" altLang="ko-KR" sz="2800" b="0" i="1" smtClean="0">
+                              <a:solidFill>
+                                <a:schemeClr val="accent6"/>
+                              </a:solidFill>
+                              <a:latin typeface="Cambria Math"/>
+                            </a:rPr>
+                            <m:t>𝑑𝑦</m:t>
+                          </m:r>
+                        </m:num>
+                        <m:den>
+                          <m:r>
+                            <a:rPr lang="en-US" altLang="ko-KR" sz="2800" b="0" i="1" smtClean="0">
+                              <a:solidFill>
+                                <a:schemeClr val="accent6"/>
+                              </a:solidFill>
+                              <a:latin typeface="Cambria Math"/>
+                            </a:rPr>
+                            <m:t>𝑑𝑥</m:t>
+                          </m:r>
+                        </m:den>
+                      </m:f>
+                    </m:oMath>
+                  </m:oMathPara>
+                </a14:m>
+                <a:endParaRPr lang="ko-KR" altLang="en-US" sz="2800" dirty="0">
+                  <a:solidFill>
+                    <a:schemeClr val="accent6"/>
+                  </a:solidFill>
+                </a:endParaRPr>
+              </a:p>
+            </p:txBody>
+          </p:sp>
+        </mc:Choice>
+        <mc:Fallback xmlns="">
+          <p:sp>
+            <p:nvSpPr>
+              <p:cNvPr id="30" name="TextBox 29"/>
+              <p:cNvSpPr txBox="1">
+                <a:spLocks noRot="1" noChangeAspect="1" noMove="1" noResize="1" noEditPoints="1" noAdjustHandles="1" noChangeArrowheads="1" noChangeShapeType="1" noTextEdit="1"/>
+              </p:cNvSpPr>
+              <p:nvPr/>
+            </p:nvSpPr>
+            <p:spPr>
+              <a:xfrm>
+                <a:off x="4205816" y="3092829"/>
+                <a:ext cx="726224" cy="910377"/>
+              </a:xfrm>
+              <a:prstGeom prst="rect">
+                <a:avLst/>
+              </a:prstGeom>
+              <a:blipFill rotWithShape="1">
+                <a:blip r:embed="rId9"/>
+                <a:stretch>
+                  <a:fillRect/>
+                </a:stretch>
+              </a:blipFill>
+            </p:spPr>
+            <p:txBody>
+              <a:bodyPr/>
+              <a:lstStyle/>
+              <a:p>
+                <a:r>
+                  <a:rPr lang="ko-KR" altLang="en-US">
+                    <a:noFill/>
+                  </a:rPr>
+                  <a:t> </a:t>
+                </a:r>
+              </a:p>
+            </p:txBody>
+          </p:sp>
+        </mc:Fallback>
+      </mc:AlternateContent>
+    </p:spTree>
+    <p:extLst>
+      <p:ext uri="{BB962C8B-B14F-4D97-AF65-F5344CB8AC3E}">
+        <p14:creationId xmlns:p14="http://schemas.microsoft.com/office/powerpoint/2010/main" val="1238139444"/>
+      </p:ext>
+    </p:extLst>
+  </p:cSld>
+  <p:clrMapOvr>
+    <a:masterClrMapping/>
+  </p:clrMapOvr>
+</p:sld>
+</file>
+
 <file path=ppt/theme/theme1.xml><?xml version="1.0" encoding="utf-8"?>
 <a:theme xmlns:a="http://schemas.openxmlformats.org/drawingml/2006/main" name="Office 테마">
   <a:themeElements>
